--- a/diagrams/Diagrams.pptx
+++ b/diagrams/Diagrams.pptx
@@ -6,6 +6,7 @@
   </p:sldMasterIdLst>
   <p:sldIdLst>
     <p:sldId id="256" r:id="rId2"/>
+    <p:sldId id="257" r:id="rId3"/>
   </p:sldIdLst>
   <p:sldSz cx="12192000" cy="6858000"/>
   <p:notesSz cx="6858000" cy="9144000"/>
@@ -104,6 +105,11 @@
       </a:defRPr>
     </a:lvl9pPr>
   </p:defaultTextStyle>
+  <p:extLst>
+    <p:ext uri="{EFAFB233-063F-42B5-8137-9DF3F51BA10A}">
+      <p15:sldGuideLst xmlns:p15="http://schemas.microsoft.com/office/powerpoint/2012/main"/>
+    </p:ext>
+  </p:extLst>
 </p:presentation>
 </file>
 
@@ -238,7 +244,7 @@
           <a:p>
             <a:fld id="{D3605370-7439-4725-80FA-F6F0C5475D17}" type="datetimeFigureOut">
               <a:rPr lang="en-GB" smtClean="0"/>
-              <a:t>02/04/2014</a:t>
+              <a:t>06/04/2014</a:t>
             </a:fld>
             <a:endParaRPr lang="en-GB"/>
           </a:p>
@@ -408,7 +414,7 @@
           <a:p>
             <a:fld id="{D3605370-7439-4725-80FA-F6F0C5475D17}" type="datetimeFigureOut">
               <a:rPr lang="en-GB" smtClean="0"/>
-              <a:t>02/04/2014</a:t>
+              <a:t>06/04/2014</a:t>
             </a:fld>
             <a:endParaRPr lang="en-GB"/>
           </a:p>
@@ -588,7 +594,7 @@
           <a:p>
             <a:fld id="{D3605370-7439-4725-80FA-F6F0C5475D17}" type="datetimeFigureOut">
               <a:rPr lang="en-GB" smtClean="0"/>
-              <a:t>02/04/2014</a:t>
+              <a:t>06/04/2014</a:t>
             </a:fld>
             <a:endParaRPr lang="en-GB"/>
           </a:p>
@@ -758,7 +764,7 @@
           <a:p>
             <a:fld id="{D3605370-7439-4725-80FA-F6F0C5475D17}" type="datetimeFigureOut">
               <a:rPr lang="en-GB" smtClean="0"/>
-              <a:t>02/04/2014</a:t>
+              <a:t>06/04/2014</a:t>
             </a:fld>
             <a:endParaRPr lang="en-GB"/>
           </a:p>
@@ -1004,7 +1010,7 @@
           <a:p>
             <a:fld id="{D3605370-7439-4725-80FA-F6F0C5475D17}" type="datetimeFigureOut">
               <a:rPr lang="en-GB" smtClean="0"/>
-              <a:t>02/04/2014</a:t>
+              <a:t>06/04/2014</a:t>
             </a:fld>
             <a:endParaRPr lang="en-GB"/>
           </a:p>
@@ -1236,7 +1242,7 @@
           <a:p>
             <a:fld id="{D3605370-7439-4725-80FA-F6F0C5475D17}" type="datetimeFigureOut">
               <a:rPr lang="en-GB" smtClean="0"/>
-              <a:t>02/04/2014</a:t>
+              <a:t>06/04/2014</a:t>
             </a:fld>
             <a:endParaRPr lang="en-GB"/>
           </a:p>
@@ -1603,7 +1609,7 @@
           <a:p>
             <a:fld id="{D3605370-7439-4725-80FA-F6F0C5475D17}" type="datetimeFigureOut">
               <a:rPr lang="en-GB" smtClean="0"/>
-              <a:t>02/04/2014</a:t>
+              <a:t>06/04/2014</a:t>
             </a:fld>
             <a:endParaRPr lang="en-GB"/>
           </a:p>
@@ -1721,7 +1727,7 @@
           <a:p>
             <a:fld id="{D3605370-7439-4725-80FA-F6F0C5475D17}" type="datetimeFigureOut">
               <a:rPr lang="en-GB" smtClean="0"/>
-              <a:t>02/04/2014</a:t>
+              <a:t>06/04/2014</a:t>
             </a:fld>
             <a:endParaRPr lang="en-GB"/>
           </a:p>
@@ -1816,7 +1822,7 @@
           <a:p>
             <a:fld id="{D3605370-7439-4725-80FA-F6F0C5475D17}" type="datetimeFigureOut">
               <a:rPr lang="en-GB" smtClean="0"/>
-              <a:t>02/04/2014</a:t>
+              <a:t>06/04/2014</a:t>
             </a:fld>
             <a:endParaRPr lang="en-GB"/>
           </a:p>
@@ -2093,7 +2099,7 @@
           <a:p>
             <a:fld id="{D3605370-7439-4725-80FA-F6F0C5475D17}" type="datetimeFigureOut">
               <a:rPr lang="en-GB" smtClean="0"/>
-              <a:t>02/04/2014</a:t>
+              <a:t>06/04/2014</a:t>
             </a:fld>
             <a:endParaRPr lang="en-GB"/>
           </a:p>
@@ -2346,7 +2352,7 @@
           <a:p>
             <a:fld id="{D3605370-7439-4725-80FA-F6F0C5475D17}" type="datetimeFigureOut">
               <a:rPr lang="en-GB" smtClean="0"/>
-              <a:t>02/04/2014</a:t>
+              <a:t>06/04/2014</a:t>
             </a:fld>
             <a:endParaRPr lang="en-GB"/>
           </a:p>
@@ -2559,7 +2565,7 @@
           <a:p>
             <a:fld id="{D3605370-7439-4725-80FA-F6F0C5475D17}" type="datetimeFigureOut">
               <a:rPr lang="en-GB" smtClean="0"/>
-              <a:t>02/04/2014</a:t>
+              <a:t>06/04/2014</a:t>
             </a:fld>
             <a:endParaRPr lang="en-GB"/>
           </a:p>
@@ -4236,6 +4242,646 @@
 </p:sld>
 </file>
 
+<file path=ppt/slides/slide2.xml><?xml version="1.0" encoding="utf-8"?>
+<p:sld xmlns:a="http://schemas.openxmlformats.org/drawingml/2006/main" xmlns:r="http://schemas.openxmlformats.org/officeDocument/2006/relationships" xmlns:p="http://schemas.openxmlformats.org/presentationml/2006/main">
+  <p:cSld>
+    <p:spTree>
+      <p:nvGrpSpPr>
+        <p:cNvPr id="1" name=""/>
+        <p:cNvGrpSpPr/>
+        <p:nvPr/>
+      </p:nvGrpSpPr>
+      <p:grpSpPr>
+        <a:xfrm>
+          <a:off x="0" y="0"/>
+          <a:ext cx="0" cy="0"/>
+          <a:chOff x="0" y="0"/>
+          <a:chExt cx="0" cy="0"/>
+        </a:xfrm>
+      </p:grpSpPr>
+      <p:graphicFrame>
+        <p:nvGraphicFramePr>
+          <p:cNvPr id="2" name="Table 1"/>
+          <p:cNvGraphicFramePr>
+            <a:graphicFrameLocks noGrp="1"/>
+          </p:cNvGraphicFramePr>
+          <p:nvPr>
+            <p:extLst>
+              <p:ext uri="{D42A27DB-BD31-4B8C-83A1-F6EECF244321}">
+                <p14:modId xmlns:p14="http://schemas.microsoft.com/office/powerpoint/2010/main" val="1844042634"/>
+              </p:ext>
+            </p:extLst>
+          </p:nvPr>
+        </p:nvGraphicFramePr>
+        <p:xfrm>
+          <a:off x="2032000" y="719666"/>
+          <a:ext cx="8127999" cy="1854200"/>
+        </p:xfrm>
+        <a:graphic>
+          <a:graphicData uri="http://schemas.openxmlformats.org/drawingml/2006/table">
+            <a:tbl>
+              <a:tblPr firstRow="1" bandRow="1">
+                <a:tableStyleId>{5C22544A-7EE6-4342-B048-85BDC9FD1C3A}</a:tableStyleId>
+              </a:tblPr>
+              <a:tblGrid>
+                <a:gridCol w="3950447"/>
+                <a:gridCol w="2139577"/>
+                <a:gridCol w="2037975"/>
+              </a:tblGrid>
+              <a:tr h="370840">
+                <a:tc>
+                  <a:txBody>
+                    <a:bodyPr/>
+                    <a:lstStyle/>
+                    <a:p>
+                      <a:r>
+                        <a:rPr lang="en-GB" sz="1600" dirty="0" smtClean="0">
+                          <a:solidFill>
+                            <a:schemeClr val="accent4">
+                              <a:lumMod val="60000"/>
+                              <a:lumOff val="40000"/>
+                            </a:schemeClr>
+                          </a:solidFill>
+                        </a:rPr>
+                        <a:t>Example scenario</a:t>
+                      </a:r>
+                      <a:endParaRPr lang="en-GB" sz="1600" dirty="0">
+                        <a:solidFill>
+                          <a:schemeClr val="accent4">
+                            <a:lumMod val="60000"/>
+                            <a:lumOff val="40000"/>
+                          </a:schemeClr>
+                        </a:solidFill>
+                      </a:endParaRPr>
+                    </a:p>
+                  </a:txBody>
+                  <a:tcPr/>
+                </a:tc>
+                <a:tc>
+                  <a:txBody>
+                    <a:bodyPr/>
+                    <a:lstStyle/>
+                    <a:p>
+                      <a:r>
+                        <a:rPr lang="en-GB" sz="1600" dirty="0" smtClean="0">
+                          <a:solidFill>
+                            <a:schemeClr val="accent4">
+                              <a:lumMod val="60000"/>
+                              <a:lumOff val="40000"/>
+                            </a:schemeClr>
+                          </a:solidFill>
+                        </a:rPr>
+                        <a:t>Normal</a:t>
+                      </a:r>
+                      <a:endParaRPr lang="en-GB" sz="1600" dirty="0">
+                        <a:solidFill>
+                          <a:schemeClr val="accent4">
+                            <a:lumMod val="60000"/>
+                            <a:lumOff val="40000"/>
+                          </a:schemeClr>
+                        </a:solidFill>
+                      </a:endParaRPr>
+                    </a:p>
+                  </a:txBody>
+                  <a:tcPr/>
+                </a:tc>
+                <a:tc>
+                  <a:txBody>
+                    <a:bodyPr/>
+                    <a:lstStyle/>
+                    <a:p>
+                      <a:r>
+                        <a:rPr lang="en-GB" sz="1600" dirty="0" smtClean="0">
+                          <a:solidFill>
+                            <a:schemeClr val="accent4">
+                              <a:lumMod val="60000"/>
+                              <a:lumOff val="40000"/>
+                            </a:schemeClr>
+                          </a:solidFill>
+                        </a:rPr>
+                        <a:t>Retry-timeout*</a:t>
+                      </a:r>
+                      <a:endParaRPr lang="en-GB" sz="1600" dirty="0">
+                        <a:solidFill>
+                          <a:schemeClr val="accent4">
+                            <a:lumMod val="60000"/>
+                            <a:lumOff val="40000"/>
+                          </a:schemeClr>
+                        </a:solidFill>
+                      </a:endParaRPr>
+                    </a:p>
+                  </a:txBody>
+                  <a:tcPr/>
+                </a:tc>
+              </a:tr>
+              <a:tr h="370840">
+                <a:tc>
+                  <a:txBody>
+                    <a:bodyPr/>
+                    <a:lstStyle/>
+                    <a:p>
+                      <a:r>
+                        <a:rPr lang="en-GB" sz="1400" dirty="0" smtClean="0">
+                          <a:solidFill>
+                            <a:schemeClr val="bg2">
+                              <a:lumMod val="25000"/>
+                            </a:schemeClr>
+                          </a:solidFill>
+                        </a:rPr>
+                        <a:t>Likelihood of a single call taking</a:t>
+                      </a:r>
+                      <a:r>
+                        <a:rPr lang="en-GB" sz="1400" baseline="0" dirty="0" smtClean="0">
+                          <a:solidFill>
+                            <a:schemeClr val="bg2">
+                              <a:lumMod val="25000"/>
+                            </a:schemeClr>
+                          </a:solidFill>
+                        </a:rPr>
+                        <a:t> 10-100</a:t>
+                      </a:r>
+                      <a:r>
+                        <a:rPr lang="en-GB" sz="1400" dirty="0" smtClean="0">
+                          <a:solidFill>
+                            <a:schemeClr val="bg2">
+                              <a:lumMod val="25000"/>
+                            </a:schemeClr>
+                          </a:solidFill>
+                        </a:rPr>
+                        <a:t> </a:t>
+                      </a:r>
+                      <a:r>
+                        <a:rPr lang="en-GB" sz="1400" dirty="0" err="1" smtClean="0">
+                          <a:solidFill>
+                            <a:schemeClr val="bg2">
+                              <a:lumMod val="25000"/>
+                            </a:schemeClr>
+                          </a:solidFill>
+                        </a:rPr>
+                        <a:t>ms</a:t>
+                      </a:r>
+                      <a:endParaRPr lang="en-GB" sz="1400" dirty="0">
+                        <a:solidFill>
+                          <a:schemeClr val="bg2">
+                            <a:lumMod val="25000"/>
+                          </a:schemeClr>
+                        </a:solidFill>
+                      </a:endParaRPr>
+                    </a:p>
+                  </a:txBody>
+                  <a:tcPr/>
+                </a:tc>
+                <a:tc>
+                  <a:txBody>
+                    <a:bodyPr/>
+                    <a:lstStyle/>
+                    <a:p>
+                      <a:r>
+                        <a:rPr lang="en-GB" sz="1400" dirty="0" smtClean="0">
+                          <a:solidFill>
+                            <a:schemeClr val="bg2">
+                              <a:lumMod val="25000"/>
+                            </a:schemeClr>
+                          </a:solidFill>
+                        </a:rPr>
+                        <a:t>99%</a:t>
+                      </a:r>
+                      <a:endParaRPr lang="en-GB" sz="1400" dirty="0">
+                        <a:solidFill>
+                          <a:schemeClr val="bg2">
+                            <a:lumMod val="25000"/>
+                          </a:schemeClr>
+                        </a:solidFill>
+                      </a:endParaRPr>
+                    </a:p>
+                  </a:txBody>
+                  <a:tcPr/>
+                </a:tc>
+                <a:tc>
+                  <a:txBody>
+                    <a:bodyPr/>
+                    <a:lstStyle/>
+                    <a:p>
+                      <a:r>
+                        <a:rPr lang="en-GB" sz="1400" dirty="0" smtClean="0">
+                          <a:solidFill>
+                            <a:schemeClr val="bg2">
+                              <a:lumMod val="25000"/>
+                            </a:schemeClr>
+                          </a:solidFill>
+                        </a:rPr>
+                        <a:t>99.95%</a:t>
+                      </a:r>
+                      <a:endParaRPr lang="en-GB" sz="1400" dirty="0">
+                        <a:solidFill>
+                          <a:schemeClr val="bg2">
+                            <a:lumMod val="25000"/>
+                          </a:schemeClr>
+                        </a:solidFill>
+                      </a:endParaRPr>
+                    </a:p>
+                  </a:txBody>
+                  <a:tcPr/>
+                </a:tc>
+              </a:tr>
+              <a:tr h="370840">
+                <a:tc>
+                  <a:txBody>
+                    <a:bodyPr/>
+                    <a:lstStyle/>
+                    <a:p>
+                      <a:pPr marL="0" marR="0" indent="0" algn="l" defTabSz="914400" rtl="0" eaLnBrk="1" fontAlgn="auto" latinLnBrk="0" hangingPunct="1">
+                        <a:lnSpc>
+                          <a:spcPct val="100000"/>
+                        </a:lnSpc>
+                        <a:spcBef>
+                          <a:spcPts val="0"/>
+                        </a:spcBef>
+                        <a:spcAft>
+                          <a:spcPts val="0"/>
+                        </a:spcAft>
+                        <a:buClrTx/>
+                        <a:buSzTx/>
+                        <a:buFontTx/>
+                        <a:buNone/>
+                        <a:tabLst/>
+                        <a:defRPr/>
+                      </a:pPr>
+                      <a:r>
+                        <a:rPr lang="en-GB" sz="1400" dirty="0" smtClean="0">
+                          <a:solidFill>
+                            <a:schemeClr val="bg2">
+                              <a:lumMod val="25000"/>
+                            </a:schemeClr>
+                          </a:solidFill>
+                        </a:rPr>
+                        <a:t>Likelihood of a</a:t>
+                      </a:r>
+                      <a:r>
+                        <a:rPr lang="en-GB" sz="1400" baseline="0" dirty="0" smtClean="0">
+                          <a:solidFill>
+                            <a:schemeClr val="bg2">
+                              <a:lumMod val="25000"/>
+                            </a:schemeClr>
+                          </a:solidFill>
+                        </a:rPr>
+                        <a:t> single</a:t>
+                      </a:r>
+                      <a:r>
+                        <a:rPr lang="en-GB" sz="1400" dirty="0" smtClean="0">
+                          <a:solidFill>
+                            <a:schemeClr val="bg2">
+                              <a:lumMod val="25000"/>
+                            </a:schemeClr>
+                          </a:solidFill>
+                        </a:rPr>
+                        <a:t> call taking</a:t>
+                      </a:r>
+                      <a:r>
+                        <a:rPr lang="en-GB" sz="1400" baseline="0" dirty="0" smtClean="0">
+                          <a:solidFill>
+                            <a:schemeClr val="bg2">
+                              <a:lumMod val="25000"/>
+                            </a:schemeClr>
+                          </a:solidFill>
+                        </a:rPr>
+                        <a:t> 5-25 sec</a:t>
+                      </a:r>
+                      <a:endParaRPr lang="en-GB" sz="1400" dirty="0" smtClean="0">
+                        <a:solidFill>
+                          <a:schemeClr val="bg2">
+                            <a:lumMod val="25000"/>
+                          </a:schemeClr>
+                        </a:solidFill>
+                      </a:endParaRPr>
+                    </a:p>
+                  </a:txBody>
+                  <a:tcPr/>
+                </a:tc>
+                <a:tc>
+                  <a:txBody>
+                    <a:bodyPr/>
+                    <a:lstStyle/>
+                    <a:p>
+                      <a:r>
+                        <a:rPr lang="en-GB" sz="1400" dirty="0" smtClean="0">
+                          <a:solidFill>
+                            <a:schemeClr val="bg2">
+                              <a:lumMod val="25000"/>
+                            </a:schemeClr>
+                          </a:solidFill>
+                        </a:rPr>
+                        <a:t>1%</a:t>
+                      </a:r>
+                      <a:endParaRPr lang="en-GB" sz="1400" dirty="0">
+                        <a:solidFill>
+                          <a:schemeClr val="bg2">
+                            <a:lumMod val="25000"/>
+                          </a:schemeClr>
+                        </a:solidFill>
+                      </a:endParaRPr>
+                    </a:p>
+                  </a:txBody>
+                  <a:tcPr/>
+                </a:tc>
+                <a:tc>
+                  <a:txBody>
+                    <a:bodyPr/>
+                    <a:lstStyle/>
+                    <a:p>
+                      <a:r>
+                        <a:rPr lang="en-GB" sz="1400" dirty="0" smtClean="0">
+                          <a:solidFill>
+                            <a:schemeClr val="bg2">
+                              <a:lumMod val="25000"/>
+                            </a:schemeClr>
+                          </a:solidFill>
+                        </a:rPr>
+                        <a:t>0.01%</a:t>
+                      </a:r>
+                      <a:endParaRPr lang="en-GB" sz="1400" dirty="0">
+                        <a:solidFill>
+                          <a:schemeClr val="bg2">
+                            <a:lumMod val="25000"/>
+                          </a:schemeClr>
+                        </a:solidFill>
+                      </a:endParaRPr>
+                    </a:p>
+                  </a:txBody>
+                  <a:tcPr/>
+                </a:tc>
+              </a:tr>
+              <a:tr h="370840">
+                <a:tc>
+                  <a:txBody>
+                    <a:bodyPr/>
+                    <a:lstStyle/>
+                    <a:p>
+                      <a:pPr marL="0" marR="0" indent="0" algn="l" defTabSz="914400" rtl="0" eaLnBrk="1" fontAlgn="auto" latinLnBrk="0" hangingPunct="1">
+                        <a:lnSpc>
+                          <a:spcPct val="100000"/>
+                        </a:lnSpc>
+                        <a:spcBef>
+                          <a:spcPts val="0"/>
+                        </a:spcBef>
+                        <a:spcAft>
+                          <a:spcPts val="0"/>
+                        </a:spcAft>
+                        <a:buClrTx/>
+                        <a:buSzTx/>
+                        <a:buFontTx/>
+                        <a:buNone/>
+                        <a:tabLst/>
+                        <a:defRPr/>
+                      </a:pPr>
+                      <a:r>
+                        <a:rPr lang="en-GB" sz="1400" dirty="0" smtClean="0">
+                          <a:solidFill>
+                            <a:schemeClr val="bg2">
+                              <a:lumMod val="25000"/>
+                            </a:schemeClr>
+                          </a:solidFill>
+                        </a:rPr>
+                        <a:t>Likelihood of 10</a:t>
+                      </a:r>
+                      <a:r>
+                        <a:rPr lang="en-GB" sz="1400" baseline="0" dirty="0" smtClean="0">
+                          <a:solidFill>
+                            <a:schemeClr val="bg2">
+                              <a:lumMod val="25000"/>
+                            </a:schemeClr>
+                          </a:solidFill>
+                        </a:rPr>
+                        <a:t> parallel calls</a:t>
+                      </a:r>
+                      <a:r>
+                        <a:rPr lang="en-GB" sz="1400" dirty="0" smtClean="0">
+                          <a:solidFill>
+                            <a:schemeClr val="bg2">
+                              <a:lumMod val="25000"/>
+                            </a:schemeClr>
+                          </a:solidFill>
+                        </a:rPr>
+                        <a:t> taking</a:t>
+                      </a:r>
+                      <a:r>
+                        <a:rPr lang="en-GB" sz="1400" baseline="0" dirty="0" smtClean="0">
+                          <a:solidFill>
+                            <a:schemeClr val="bg2">
+                              <a:lumMod val="25000"/>
+                            </a:schemeClr>
+                          </a:solidFill>
+                        </a:rPr>
+                        <a:t> 10-100</a:t>
+                      </a:r>
+                      <a:endParaRPr lang="en-GB" sz="1400" dirty="0" smtClean="0">
+                        <a:solidFill>
+                          <a:schemeClr val="bg2">
+                            <a:lumMod val="25000"/>
+                          </a:schemeClr>
+                        </a:solidFill>
+                      </a:endParaRPr>
+                    </a:p>
+                  </a:txBody>
+                  <a:tcPr/>
+                </a:tc>
+                <a:tc>
+                  <a:txBody>
+                    <a:bodyPr/>
+                    <a:lstStyle/>
+                    <a:p>
+                      <a:r>
+                        <a:rPr lang="en-GB" sz="1400" dirty="0" smtClean="0">
+                          <a:solidFill>
+                            <a:schemeClr val="bg2">
+                              <a:lumMod val="25000"/>
+                            </a:schemeClr>
+                          </a:solidFill>
+                        </a:rPr>
+                        <a:t>91%</a:t>
+                      </a:r>
+                      <a:endParaRPr lang="en-GB" sz="1400" dirty="0">
+                        <a:solidFill>
+                          <a:schemeClr val="bg2">
+                            <a:lumMod val="25000"/>
+                          </a:schemeClr>
+                        </a:solidFill>
+                      </a:endParaRPr>
+                    </a:p>
+                  </a:txBody>
+                  <a:tcPr/>
+                </a:tc>
+                <a:tc>
+                  <a:txBody>
+                    <a:bodyPr/>
+                    <a:lstStyle/>
+                    <a:p>
+                      <a:r>
+                        <a:rPr lang="en-GB" sz="1400" dirty="0" smtClean="0">
+                          <a:solidFill>
+                            <a:schemeClr val="bg2">
+                              <a:lumMod val="25000"/>
+                            </a:schemeClr>
+                          </a:solidFill>
+                        </a:rPr>
+                        <a:t>99.9%</a:t>
+                      </a:r>
+                      <a:endParaRPr lang="en-GB" sz="1400" dirty="0">
+                        <a:solidFill>
+                          <a:schemeClr val="bg2">
+                            <a:lumMod val="25000"/>
+                          </a:schemeClr>
+                        </a:solidFill>
+                      </a:endParaRPr>
+                    </a:p>
+                  </a:txBody>
+                  <a:tcPr/>
+                </a:tc>
+              </a:tr>
+              <a:tr h="370840">
+                <a:tc>
+                  <a:txBody>
+                    <a:bodyPr/>
+                    <a:lstStyle/>
+                    <a:p>
+                      <a:pPr marL="0" marR="0" indent="0" algn="l" defTabSz="914400" rtl="0" eaLnBrk="1" fontAlgn="auto" latinLnBrk="0" hangingPunct="1">
+                        <a:lnSpc>
+                          <a:spcPct val="100000"/>
+                        </a:lnSpc>
+                        <a:spcBef>
+                          <a:spcPts val="0"/>
+                        </a:spcBef>
+                        <a:spcAft>
+                          <a:spcPts val="0"/>
+                        </a:spcAft>
+                        <a:buClrTx/>
+                        <a:buSzTx/>
+                        <a:buFontTx/>
+                        <a:buNone/>
+                        <a:tabLst/>
+                        <a:defRPr/>
+                      </a:pPr>
+                      <a:r>
+                        <a:rPr lang="en-GB" sz="1400" dirty="0" smtClean="0">
+                          <a:solidFill>
+                            <a:schemeClr val="bg2">
+                              <a:lumMod val="25000"/>
+                            </a:schemeClr>
+                          </a:solidFill>
+                        </a:rPr>
+                        <a:t>Likelihood of 10</a:t>
+                      </a:r>
+                      <a:r>
+                        <a:rPr lang="en-GB" sz="1400" baseline="0" dirty="0" smtClean="0">
+                          <a:solidFill>
+                            <a:schemeClr val="bg2">
+                              <a:lumMod val="25000"/>
+                            </a:schemeClr>
+                          </a:solidFill>
+                        </a:rPr>
+                        <a:t> parallel calls</a:t>
+                      </a:r>
+                      <a:r>
+                        <a:rPr lang="en-GB" sz="1400" dirty="0" smtClean="0">
+                          <a:solidFill>
+                            <a:schemeClr val="bg2">
+                              <a:lumMod val="25000"/>
+                            </a:schemeClr>
+                          </a:solidFill>
+                        </a:rPr>
+                        <a:t> taking</a:t>
+                      </a:r>
+                      <a:r>
+                        <a:rPr lang="en-GB" sz="1400" baseline="0" dirty="0" smtClean="0">
+                          <a:solidFill>
+                            <a:schemeClr val="bg2">
+                              <a:lumMod val="25000"/>
+                            </a:schemeClr>
+                          </a:solidFill>
+                        </a:rPr>
+                        <a:t> 5-25 sec</a:t>
+                      </a:r>
+                      <a:endParaRPr lang="en-GB" sz="1400" dirty="0" smtClean="0">
+                        <a:solidFill>
+                          <a:schemeClr val="bg2">
+                            <a:lumMod val="25000"/>
+                          </a:schemeClr>
+                        </a:solidFill>
+                      </a:endParaRPr>
+                    </a:p>
+                  </a:txBody>
+                  <a:tcPr/>
+                </a:tc>
+                <a:tc>
+                  <a:txBody>
+                    <a:bodyPr/>
+                    <a:lstStyle/>
+                    <a:p>
+                      <a:r>
+                        <a:rPr lang="en-GB" sz="1400" dirty="0" smtClean="0">
+                          <a:solidFill>
+                            <a:schemeClr val="bg2">
+                              <a:lumMod val="25000"/>
+                            </a:schemeClr>
+                          </a:solidFill>
+                        </a:rPr>
+                        <a:t>9%</a:t>
+                      </a:r>
+                      <a:endParaRPr lang="en-GB" sz="1400" dirty="0">
+                        <a:solidFill>
+                          <a:schemeClr val="bg2">
+                            <a:lumMod val="25000"/>
+                          </a:schemeClr>
+                        </a:solidFill>
+                      </a:endParaRPr>
+                    </a:p>
+                  </a:txBody>
+                  <a:tcPr/>
+                </a:tc>
+                <a:tc>
+                  <a:txBody>
+                    <a:bodyPr/>
+                    <a:lstStyle/>
+                    <a:p>
+                      <a:r>
+                        <a:rPr lang="en-GB" sz="1400" dirty="0" smtClean="0">
+                          <a:solidFill>
+                            <a:schemeClr val="bg2">
+                              <a:lumMod val="25000"/>
+                            </a:schemeClr>
+                          </a:solidFill>
+                        </a:rPr>
+                        <a:t>0.1%</a:t>
+                      </a:r>
+                      <a:endParaRPr lang="en-GB" sz="1400" dirty="0">
+                        <a:solidFill>
+                          <a:schemeClr val="bg2">
+                            <a:lumMod val="25000"/>
+                          </a:schemeClr>
+                        </a:solidFill>
+                      </a:endParaRPr>
+                    </a:p>
+                  </a:txBody>
+                  <a:tcPr/>
+                </a:tc>
+              </a:tr>
+            </a:tbl>
+          </a:graphicData>
+        </a:graphic>
+      </p:graphicFrame>
+    </p:spTree>
+    <p:extLst>
+      <p:ext uri="{BB962C8B-B14F-4D97-AF65-F5344CB8AC3E}">
+        <p14:creationId xmlns:p14="http://schemas.microsoft.com/office/powerpoint/2010/main" val="2619792737"/>
+      </p:ext>
+    </p:extLst>
+  </p:cSld>
+  <p:clrMapOvr>
+    <a:masterClrMapping/>
+  </p:clrMapOvr>
+</p:sld>
+</file>
+
 <file path=ppt/theme/theme1.xml><?xml version="1.0" encoding="utf-8"?>
 <a:theme xmlns:a="http://schemas.openxmlformats.org/drawingml/2006/main" name="Office Theme">
   <a:themeElements>

--- a/diagrams/Diagrams.pptx
+++ b/diagrams/Diagrams.pptx
@@ -7,6 +7,8 @@
   <p:sldIdLst>
     <p:sldId id="256" r:id="rId2"/>
     <p:sldId id="257" r:id="rId3"/>
+    <p:sldId id="258" r:id="rId4"/>
+    <p:sldId id="259" r:id="rId5"/>
   </p:sldIdLst>
   <p:sldSz cx="12192000" cy="6858000"/>
   <p:notesSz cx="6858000" cy="9144000"/>
@@ -244,7 +246,7 @@
           <a:p>
             <a:fld id="{D3605370-7439-4725-80FA-F6F0C5475D17}" type="datetimeFigureOut">
               <a:rPr lang="en-GB" smtClean="0"/>
-              <a:t>06/04/2014</a:t>
+              <a:t>12/04/2014</a:t>
             </a:fld>
             <a:endParaRPr lang="en-GB"/>
           </a:p>
@@ -414,7 +416,7 @@
           <a:p>
             <a:fld id="{D3605370-7439-4725-80FA-F6F0C5475D17}" type="datetimeFigureOut">
               <a:rPr lang="en-GB" smtClean="0"/>
-              <a:t>06/04/2014</a:t>
+              <a:t>12/04/2014</a:t>
             </a:fld>
             <a:endParaRPr lang="en-GB"/>
           </a:p>
@@ -594,7 +596,7 @@
           <a:p>
             <a:fld id="{D3605370-7439-4725-80FA-F6F0C5475D17}" type="datetimeFigureOut">
               <a:rPr lang="en-GB" smtClean="0"/>
-              <a:t>06/04/2014</a:t>
+              <a:t>12/04/2014</a:t>
             </a:fld>
             <a:endParaRPr lang="en-GB"/>
           </a:p>
@@ -764,7 +766,7 @@
           <a:p>
             <a:fld id="{D3605370-7439-4725-80FA-F6F0C5475D17}" type="datetimeFigureOut">
               <a:rPr lang="en-GB" smtClean="0"/>
-              <a:t>06/04/2014</a:t>
+              <a:t>12/04/2014</a:t>
             </a:fld>
             <a:endParaRPr lang="en-GB"/>
           </a:p>
@@ -1010,7 +1012,7 @@
           <a:p>
             <a:fld id="{D3605370-7439-4725-80FA-F6F0C5475D17}" type="datetimeFigureOut">
               <a:rPr lang="en-GB" smtClean="0"/>
-              <a:t>06/04/2014</a:t>
+              <a:t>12/04/2014</a:t>
             </a:fld>
             <a:endParaRPr lang="en-GB"/>
           </a:p>
@@ -1242,7 +1244,7 @@
           <a:p>
             <a:fld id="{D3605370-7439-4725-80FA-F6F0C5475D17}" type="datetimeFigureOut">
               <a:rPr lang="en-GB" smtClean="0"/>
-              <a:t>06/04/2014</a:t>
+              <a:t>12/04/2014</a:t>
             </a:fld>
             <a:endParaRPr lang="en-GB"/>
           </a:p>
@@ -1609,7 +1611,7 @@
           <a:p>
             <a:fld id="{D3605370-7439-4725-80FA-F6F0C5475D17}" type="datetimeFigureOut">
               <a:rPr lang="en-GB" smtClean="0"/>
-              <a:t>06/04/2014</a:t>
+              <a:t>12/04/2014</a:t>
             </a:fld>
             <a:endParaRPr lang="en-GB"/>
           </a:p>
@@ -1727,7 +1729,7 @@
           <a:p>
             <a:fld id="{D3605370-7439-4725-80FA-F6F0C5475D17}" type="datetimeFigureOut">
               <a:rPr lang="en-GB" smtClean="0"/>
-              <a:t>06/04/2014</a:t>
+              <a:t>12/04/2014</a:t>
             </a:fld>
             <a:endParaRPr lang="en-GB"/>
           </a:p>
@@ -1822,7 +1824,7 @@
           <a:p>
             <a:fld id="{D3605370-7439-4725-80FA-F6F0C5475D17}" type="datetimeFigureOut">
               <a:rPr lang="en-GB" smtClean="0"/>
-              <a:t>06/04/2014</a:t>
+              <a:t>12/04/2014</a:t>
             </a:fld>
             <a:endParaRPr lang="en-GB"/>
           </a:p>
@@ -2099,7 +2101,7 @@
           <a:p>
             <a:fld id="{D3605370-7439-4725-80FA-F6F0C5475D17}" type="datetimeFigureOut">
               <a:rPr lang="en-GB" smtClean="0"/>
-              <a:t>06/04/2014</a:t>
+              <a:t>12/04/2014</a:t>
             </a:fld>
             <a:endParaRPr lang="en-GB"/>
           </a:p>
@@ -2352,7 +2354,7 @@
           <a:p>
             <a:fld id="{D3605370-7439-4725-80FA-F6F0C5475D17}" type="datetimeFigureOut">
               <a:rPr lang="en-GB" smtClean="0"/>
-              <a:t>06/04/2014</a:t>
+              <a:t>12/04/2014</a:t>
             </a:fld>
             <a:endParaRPr lang="en-GB"/>
           </a:p>
@@ -2565,7 +2567,7 @@
           <a:p>
             <a:fld id="{D3605370-7439-4725-80FA-F6F0C5475D17}" type="datetimeFigureOut">
               <a:rPr lang="en-GB" smtClean="0"/>
-              <a:t>06/04/2014</a:t>
+              <a:t>12/04/2014</a:t>
             </a:fld>
             <a:endParaRPr lang="en-GB"/>
           </a:p>
@@ -4879,6 +4881,1052 @@
   <p:clrMapOvr>
     <a:masterClrMapping/>
   </p:clrMapOvr>
+  <p:timing>
+    <p:tnLst>
+      <p:par>
+        <p:cTn id="1" dur="indefinite" restart="never" nodeType="tmRoot"/>
+      </p:par>
+    </p:tnLst>
+  </p:timing>
+</p:sld>
+</file>
+
+<file path=ppt/slides/slide3.xml><?xml version="1.0" encoding="utf-8"?>
+<p:sld xmlns:a="http://schemas.openxmlformats.org/drawingml/2006/main" xmlns:r="http://schemas.openxmlformats.org/officeDocument/2006/relationships" xmlns:p="http://schemas.openxmlformats.org/presentationml/2006/main">
+  <p:cSld>
+    <p:spTree>
+      <p:nvGrpSpPr>
+        <p:cNvPr id="1" name=""/>
+        <p:cNvGrpSpPr/>
+        <p:nvPr/>
+      </p:nvGrpSpPr>
+      <p:grpSpPr>
+        <a:xfrm>
+          <a:off x="0" y="0"/>
+          <a:ext cx="0" cy="0"/>
+          <a:chOff x="0" y="0"/>
+          <a:chExt cx="0" cy="0"/>
+        </a:xfrm>
+      </p:grpSpPr>
+      <p:sp>
+        <p:nvSpPr>
+          <p:cNvPr id="2" name="Hexagon 1"/>
+          <p:cNvSpPr/>
+          <p:nvPr/>
+        </p:nvSpPr>
+        <p:spPr>
+          <a:xfrm>
+            <a:off x="1810871" y="1290919"/>
+            <a:ext cx="1290917" cy="1195294"/>
+          </a:xfrm>
+          <a:prstGeom prst="hexagon">
+            <a:avLst/>
+          </a:prstGeom>
+          <a:solidFill>
+            <a:srgbClr val="FFC000"/>
+          </a:solidFill>
+          <a:ln>
+            <a:noFill/>
+          </a:ln>
+        </p:spPr>
+        <p:style>
+          <a:lnRef idx="2">
+            <a:schemeClr val="accent1">
+              <a:shade val="50000"/>
+            </a:schemeClr>
+          </a:lnRef>
+          <a:fillRef idx="1">
+            <a:schemeClr val="accent1"/>
+          </a:fillRef>
+          <a:effectRef idx="0">
+            <a:schemeClr val="accent1"/>
+          </a:effectRef>
+          <a:fontRef idx="minor">
+            <a:schemeClr val="lt1"/>
+          </a:fontRef>
+        </p:style>
+        <p:txBody>
+          <a:bodyPr rtlCol="0" anchor="ctr"/>
+          <a:lstStyle/>
+          <a:p>
+            <a:pPr algn="ctr"/>
+            <a:endParaRPr lang="en-GB"/>
+          </a:p>
+        </p:txBody>
+      </p:sp>
+      <p:sp>
+        <p:nvSpPr>
+          <p:cNvPr id="3" name="Hexagon 2"/>
+          <p:cNvSpPr/>
+          <p:nvPr/>
+        </p:nvSpPr>
+        <p:spPr>
+          <a:xfrm>
+            <a:off x="2869987" y="1950465"/>
+            <a:ext cx="1290917" cy="1195294"/>
+          </a:xfrm>
+          <a:prstGeom prst="hexagon">
+            <a:avLst/>
+          </a:prstGeom>
+          <a:solidFill>
+            <a:srgbClr val="92D050"/>
+          </a:solidFill>
+          <a:ln>
+            <a:noFill/>
+          </a:ln>
+        </p:spPr>
+        <p:style>
+          <a:lnRef idx="2">
+            <a:schemeClr val="accent1">
+              <a:shade val="50000"/>
+            </a:schemeClr>
+          </a:lnRef>
+          <a:fillRef idx="1">
+            <a:schemeClr val="accent1"/>
+          </a:fillRef>
+          <a:effectRef idx="0">
+            <a:schemeClr val="accent1"/>
+          </a:effectRef>
+          <a:fontRef idx="minor">
+            <a:schemeClr val="lt1"/>
+          </a:fontRef>
+        </p:style>
+        <p:txBody>
+          <a:bodyPr rtlCol="0" anchor="ctr"/>
+          <a:lstStyle/>
+          <a:p>
+            <a:pPr algn="ctr"/>
+            <a:endParaRPr lang="en-GB"/>
+          </a:p>
+        </p:txBody>
+      </p:sp>
+      <p:sp>
+        <p:nvSpPr>
+          <p:cNvPr id="4" name="Hexagon 3"/>
+          <p:cNvSpPr/>
+          <p:nvPr/>
+        </p:nvSpPr>
+        <p:spPr>
+          <a:xfrm>
+            <a:off x="1810870" y="2585253"/>
+            <a:ext cx="1290917" cy="1195294"/>
+          </a:xfrm>
+          <a:prstGeom prst="hexagon">
+            <a:avLst/>
+          </a:prstGeom>
+          <a:solidFill>
+            <a:schemeClr val="accent1">
+              <a:lumMod val="75000"/>
+            </a:schemeClr>
+          </a:solidFill>
+          <a:ln>
+            <a:noFill/>
+          </a:ln>
+        </p:spPr>
+        <p:style>
+          <a:lnRef idx="2">
+            <a:schemeClr val="accent1">
+              <a:shade val="50000"/>
+            </a:schemeClr>
+          </a:lnRef>
+          <a:fillRef idx="1">
+            <a:schemeClr val="accent1"/>
+          </a:fillRef>
+          <a:effectRef idx="0">
+            <a:schemeClr val="accent1"/>
+          </a:effectRef>
+          <a:fontRef idx="minor">
+            <a:schemeClr val="lt1"/>
+          </a:fontRef>
+        </p:style>
+        <p:txBody>
+          <a:bodyPr rtlCol="0" anchor="ctr"/>
+          <a:lstStyle/>
+          <a:p>
+            <a:pPr algn="ctr"/>
+            <a:endParaRPr lang="en-GB"/>
+          </a:p>
+        </p:txBody>
+      </p:sp>
+    </p:spTree>
+    <p:extLst>
+      <p:ext uri="{BB962C8B-B14F-4D97-AF65-F5344CB8AC3E}">
+        <p14:creationId xmlns:p14="http://schemas.microsoft.com/office/powerpoint/2010/main" val="3524434986"/>
+      </p:ext>
+    </p:extLst>
+  </p:cSld>
+  <p:clrMapOvr>
+    <a:masterClrMapping/>
+  </p:clrMapOvr>
+  <p:timing>
+    <p:tnLst>
+      <p:par>
+        <p:cTn id="1" dur="indefinite" restart="never" nodeType="tmRoot"/>
+      </p:par>
+    </p:tnLst>
+  </p:timing>
+</p:sld>
+</file>
+
+<file path=ppt/slides/slide4.xml><?xml version="1.0" encoding="utf-8"?>
+<p:sld xmlns:a="http://schemas.openxmlformats.org/drawingml/2006/main" xmlns:r="http://schemas.openxmlformats.org/officeDocument/2006/relationships" xmlns:p="http://schemas.openxmlformats.org/presentationml/2006/main">
+  <p:cSld>
+    <p:bg>
+      <p:bgPr>
+        <a:solidFill>
+          <a:schemeClr val="bg1">
+            <a:alpha val="0"/>
+          </a:schemeClr>
+        </a:solidFill>
+        <a:effectLst/>
+      </p:bgPr>
+    </p:bg>
+    <p:spTree>
+      <p:nvGrpSpPr>
+        <p:cNvPr id="1" name=""/>
+        <p:cNvGrpSpPr/>
+        <p:nvPr/>
+      </p:nvGrpSpPr>
+      <p:grpSpPr>
+        <a:xfrm>
+          <a:off x="0" y="0"/>
+          <a:ext cx="0" cy="0"/>
+          <a:chOff x="0" y="0"/>
+          <a:chExt cx="0" cy="0"/>
+        </a:xfrm>
+      </p:grpSpPr>
+      <p:sp>
+        <p:nvSpPr>
+          <p:cNvPr id="3" name="Hexagon 2"/>
+          <p:cNvSpPr/>
+          <p:nvPr/>
+        </p:nvSpPr>
+        <p:spPr>
+          <a:xfrm>
+            <a:off x="481532" y="4414054"/>
+            <a:ext cx="1290917" cy="1195294"/>
+          </a:xfrm>
+          <a:prstGeom prst="hexagon">
+            <a:avLst/>
+          </a:prstGeom>
+          <a:solidFill>
+            <a:srgbClr val="92D050"/>
+          </a:solidFill>
+          <a:ln>
+            <a:noFill/>
+          </a:ln>
+        </p:spPr>
+        <p:style>
+          <a:lnRef idx="2">
+            <a:schemeClr val="accent1">
+              <a:shade val="50000"/>
+            </a:schemeClr>
+          </a:lnRef>
+          <a:fillRef idx="1">
+            <a:schemeClr val="accent1"/>
+          </a:fillRef>
+          <a:effectRef idx="0">
+            <a:schemeClr val="accent1"/>
+          </a:effectRef>
+          <a:fontRef idx="minor">
+            <a:schemeClr val="lt1"/>
+          </a:fontRef>
+        </p:style>
+        <p:txBody>
+          <a:bodyPr rtlCol="0" anchor="ctr"/>
+          <a:lstStyle/>
+          <a:p>
+            <a:pPr algn="ctr"/>
+            <a:r>
+              <a:rPr lang="en-GB" dirty="0" smtClean="0"/>
+              <a:t>Actor</a:t>
+            </a:r>
+            <a:endParaRPr lang="en-GB" dirty="0"/>
+          </a:p>
+        </p:txBody>
+      </p:sp>
+      <p:sp>
+        <p:nvSpPr>
+          <p:cNvPr id="5" name="Hexagon 4"/>
+          <p:cNvSpPr/>
+          <p:nvPr/>
+        </p:nvSpPr>
+        <p:spPr>
+          <a:xfrm>
+            <a:off x="1972666" y="1723358"/>
+            <a:ext cx="1290917" cy="1195294"/>
+          </a:xfrm>
+          <a:prstGeom prst="hexagon">
+            <a:avLst/>
+          </a:prstGeom>
+          <a:solidFill>
+            <a:srgbClr val="FFC000"/>
+          </a:solidFill>
+          <a:ln>
+            <a:noFill/>
+          </a:ln>
+        </p:spPr>
+        <p:style>
+          <a:lnRef idx="2">
+            <a:schemeClr val="accent1">
+              <a:shade val="50000"/>
+            </a:schemeClr>
+          </a:lnRef>
+          <a:fillRef idx="1">
+            <a:schemeClr val="accent1"/>
+          </a:fillRef>
+          <a:effectRef idx="0">
+            <a:schemeClr val="accent1"/>
+          </a:effectRef>
+          <a:fontRef idx="minor">
+            <a:schemeClr val="lt1"/>
+          </a:fontRef>
+        </p:style>
+        <p:txBody>
+          <a:bodyPr rtlCol="0" anchor="ctr"/>
+          <a:lstStyle/>
+          <a:p>
+            <a:pPr algn="ctr"/>
+            <a:r>
+              <a:rPr lang="en-GB" dirty="0" smtClean="0"/>
+              <a:t>Actor</a:t>
+            </a:r>
+            <a:endParaRPr lang="en-GB" dirty="0"/>
+          </a:p>
+        </p:txBody>
+      </p:sp>
+      <p:sp>
+        <p:nvSpPr>
+          <p:cNvPr id="6" name="Hexagon 5"/>
+          <p:cNvSpPr/>
+          <p:nvPr/>
+        </p:nvSpPr>
+        <p:spPr>
+          <a:xfrm>
+            <a:off x="3762814" y="4182251"/>
+            <a:ext cx="1290917" cy="1195294"/>
+          </a:xfrm>
+          <a:prstGeom prst="hexagon">
+            <a:avLst/>
+          </a:prstGeom>
+          <a:solidFill>
+            <a:srgbClr val="00B0F0"/>
+          </a:solidFill>
+          <a:ln>
+            <a:noFill/>
+          </a:ln>
+        </p:spPr>
+        <p:style>
+          <a:lnRef idx="2">
+            <a:schemeClr val="accent1">
+              <a:shade val="50000"/>
+            </a:schemeClr>
+          </a:lnRef>
+          <a:fillRef idx="1">
+            <a:schemeClr val="accent1"/>
+          </a:fillRef>
+          <a:effectRef idx="0">
+            <a:schemeClr val="accent1"/>
+          </a:effectRef>
+          <a:fontRef idx="minor">
+            <a:schemeClr val="lt1"/>
+          </a:fontRef>
+        </p:style>
+        <p:txBody>
+          <a:bodyPr rtlCol="0" anchor="ctr"/>
+          <a:lstStyle/>
+          <a:p>
+            <a:pPr algn="ctr"/>
+            <a:r>
+              <a:rPr lang="en-GB" dirty="0" smtClean="0"/>
+              <a:t>Actor</a:t>
+            </a:r>
+            <a:endParaRPr lang="en-GB" dirty="0"/>
+          </a:p>
+        </p:txBody>
+      </p:sp>
+      <p:sp>
+        <p:nvSpPr>
+          <p:cNvPr id="7" name="Up-Down Arrow 6"/>
+          <p:cNvSpPr/>
+          <p:nvPr/>
+        </p:nvSpPr>
+        <p:spPr>
+          <a:xfrm rot="1821939">
+            <a:off x="1558827" y="2460842"/>
+            <a:ext cx="605753" cy="2411022"/>
+          </a:xfrm>
+          <a:prstGeom prst="upDownArrow">
+            <a:avLst/>
+          </a:prstGeom>
+          <a:solidFill>
+            <a:schemeClr val="accent4">
+              <a:lumMod val="60000"/>
+              <a:lumOff val="40000"/>
+            </a:schemeClr>
+          </a:solidFill>
+          <a:ln w="38100">
+            <a:solidFill>
+              <a:schemeClr val="accent1">
+                <a:lumMod val="60000"/>
+                <a:lumOff val="40000"/>
+              </a:schemeClr>
+            </a:solidFill>
+          </a:ln>
+        </p:spPr>
+        <p:style>
+          <a:lnRef idx="2">
+            <a:schemeClr val="accent1">
+              <a:shade val="50000"/>
+            </a:schemeClr>
+          </a:lnRef>
+          <a:fillRef idx="1">
+            <a:schemeClr val="accent1"/>
+          </a:fillRef>
+          <a:effectRef idx="0">
+            <a:schemeClr val="accent1"/>
+          </a:effectRef>
+          <a:fontRef idx="minor">
+            <a:schemeClr val="lt1"/>
+          </a:fontRef>
+        </p:style>
+        <p:txBody>
+          <a:bodyPr rtlCol="0" anchor="ctr"/>
+          <a:lstStyle/>
+          <a:p>
+            <a:pPr algn="ctr"/>
+            <a:endParaRPr lang="en-GB"/>
+          </a:p>
+        </p:txBody>
+      </p:sp>
+      <p:sp>
+        <p:nvSpPr>
+          <p:cNvPr id="4" name="Flowchart: Magnetic Disk 3"/>
+          <p:cNvSpPr/>
+          <p:nvPr/>
+        </p:nvSpPr>
+        <p:spPr>
+          <a:xfrm>
+            <a:off x="2116110" y="3436408"/>
+            <a:ext cx="1275550" cy="1198710"/>
+          </a:xfrm>
+          <a:prstGeom prst="flowChartMagneticDisk">
+            <a:avLst/>
+          </a:prstGeom>
+        </p:spPr>
+        <p:style>
+          <a:lnRef idx="2">
+            <a:schemeClr val="accent1">
+              <a:shade val="50000"/>
+            </a:schemeClr>
+          </a:lnRef>
+          <a:fillRef idx="1">
+            <a:schemeClr val="accent1"/>
+          </a:fillRef>
+          <a:effectRef idx="0">
+            <a:schemeClr val="accent1"/>
+          </a:effectRef>
+          <a:fontRef idx="minor">
+            <a:schemeClr val="lt1"/>
+          </a:fontRef>
+        </p:style>
+        <p:txBody>
+          <a:bodyPr rtlCol="0" anchor="ctr"/>
+          <a:lstStyle/>
+          <a:p>
+            <a:pPr algn="ctr"/>
+            <a:r>
+              <a:rPr lang="en-GB" dirty="0" smtClean="0"/>
+              <a:t>Message</a:t>
+            </a:r>
+          </a:p>
+          <a:p>
+            <a:pPr algn="ctr"/>
+            <a:r>
+              <a:rPr lang="en-GB" dirty="0" smtClean="0"/>
+              <a:t>Store</a:t>
+            </a:r>
+            <a:endParaRPr lang="en-GB" dirty="0"/>
+          </a:p>
+        </p:txBody>
+      </p:sp>
+      <p:sp>
+        <p:nvSpPr>
+          <p:cNvPr id="8" name="Up-Down Arrow 7"/>
+          <p:cNvSpPr/>
+          <p:nvPr/>
+        </p:nvSpPr>
+        <p:spPr>
+          <a:xfrm rot="7939058">
+            <a:off x="3304367" y="2243083"/>
+            <a:ext cx="605753" cy="2411022"/>
+          </a:xfrm>
+          <a:prstGeom prst="upDownArrow">
+            <a:avLst/>
+          </a:prstGeom>
+          <a:solidFill>
+            <a:schemeClr val="accent4">
+              <a:lumMod val="60000"/>
+              <a:lumOff val="40000"/>
+            </a:schemeClr>
+          </a:solidFill>
+          <a:ln w="38100">
+            <a:solidFill>
+              <a:schemeClr val="accent1">
+                <a:lumMod val="60000"/>
+                <a:lumOff val="40000"/>
+              </a:schemeClr>
+            </a:solidFill>
+          </a:ln>
+        </p:spPr>
+        <p:style>
+          <a:lnRef idx="2">
+            <a:schemeClr val="accent1">
+              <a:shade val="50000"/>
+            </a:schemeClr>
+          </a:lnRef>
+          <a:fillRef idx="1">
+            <a:schemeClr val="accent1"/>
+          </a:fillRef>
+          <a:effectRef idx="0">
+            <a:schemeClr val="accent1"/>
+          </a:effectRef>
+          <a:fontRef idx="minor">
+            <a:schemeClr val="lt1"/>
+          </a:fontRef>
+        </p:style>
+        <p:txBody>
+          <a:bodyPr rtlCol="0" anchor="ctr"/>
+          <a:lstStyle/>
+          <a:p>
+            <a:pPr algn="ctr"/>
+            <a:endParaRPr lang="en-GB"/>
+          </a:p>
+        </p:txBody>
+      </p:sp>
+      <p:sp>
+        <p:nvSpPr>
+          <p:cNvPr id="9" name="Up-Down Arrow 8"/>
+          <p:cNvSpPr/>
+          <p:nvPr/>
+        </p:nvSpPr>
+        <p:spPr>
+          <a:xfrm rot="5400000">
+            <a:off x="2464755" y="3761933"/>
+            <a:ext cx="605753" cy="2411022"/>
+          </a:xfrm>
+          <a:prstGeom prst="upDownArrow">
+            <a:avLst/>
+          </a:prstGeom>
+          <a:solidFill>
+            <a:schemeClr val="accent4">
+              <a:lumMod val="60000"/>
+              <a:lumOff val="40000"/>
+            </a:schemeClr>
+          </a:solidFill>
+          <a:ln w="38100">
+            <a:solidFill>
+              <a:schemeClr val="accent1">
+                <a:lumMod val="60000"/>
+                <a:lumOff val="40000"/>
+              </a:schemeClr>
+            </a:solidFill>
+          </a:ln>
+        </p:spPr>
+        <p:style>
+          <a:lnRef idx="2">
+            <a:schemeClr val="accent1">
+              <a:shade val="50000"/>
+            </a:schemeClr>
+          </a:lnRef>
+          <a:fillRef idx="1">
+            <a:schemeClr val="accent1"/>
+          </a:fillRef>
+          <a:effectRef idx="0">
+            <a:schemeClr val="accent1"/>
+          </a:effectRef>
+          <a:fontRef idx="minor">
+            <a:schemeClr val="lt1"/>
+          </a:fontRef>
+        </p:style>
+        <p:txBody>
+          <a:bodyPr rtlCol="0" anchor="ctr"/>
+          <a:lstStyle/>
+          <a:p>
+            <a:pPr algn="ctr"/>
+            <a:endParaRPr lang="en-GB"/>
+          </a:p>
+        </p:txBody>
+      </p:sp>
+      <p:sp>
+        <p:nvSpPr>
+          <p:cNvPr id="10" name="TextBox 9"/>
+          <p:cNvSpPr txBox="1"/>
+          <p:nvPr/>
+        </p:nvSpPr>
+        <p:spPr>
+          <a:xfrm>
+            <a:off x="1605145" y="5536695"/>
+            <a:ext cx="2717411" cy="646331"/>
+          </a:xfrm>
+          <a:prstGeom prst="rect">
+            <a:avLst/>
+          </a:prstGeom>
+          <a:noFill/>
+        </p:spPr>
+        <p:txBody>
+          <a:bodyPr wrap="none" rtlCol="0">
+            <a:spAutoFit/>
+          </a:bodyPr>
+          <a:lstStyle/>
+          <a:p>
+            <a:r>
+              <a:rPr lang="en-GB" sz="3600" b="1" dirty="0" smtClean="0">
+                <a:solidFill>
+                  <a:schemeClr val="accent6">
+                    <a:lumMod val="60000"/>
+                    <a:lumOff val="40000"/>
+                  </a:schemeClr>
+                </a:solidFill>
+                <a:latin typeface="Century Gothic" panose="020B0502020202020204" pitchFamily="34" charset="0"/>
+                <a:cs typeface="Consolas" panose="020B0609020204030204" pitchFamily="49" charset="0"/>
+              </a:rPr>
+              <a:t>IMPERATIVE</a:t>
+            </a:r>
+            <a:endParaRPr lang="en-GB" sz="3600" b="1" dirty="0">
+              <a:solidFill>
+                <a:schemeClr val="accent6">
+                  <a:lumMod val="60000"/>
+                  <a:lumOff val="40000"/>
+                </a:schemeClr>
+              </a:solidFill>
+              <a:latin typeface="Century Gothic" panose="020B0502020202020204" pitchFamily="34" charset="0"/>
+              <a:cs typeface="Consolas" panose="020B0609020204030204" pitchFamily="49" charset="0"/>
+            </a:endParaRPr>
+          </a:p>
+        </p:txBody>
+      </p:sp>
+      <p:sp>
+        <p:nvSpPr>
+          <p:cNvPr id="11" name="Flowchart: Magnetic Disk 10"/>
+          <p:cNvSpPr/>
+          <p:nvPr/>
+        </p:nvSpPr>
+        <p:spPr>
+          <a:xfrm>
+            <a:off x="7539758" y="1612495"/>
+            <a:ext cx="1275550" cy="1198710"/>
+          </a:xfrm>
+          <a:prstGeom prst="flowChartMagneticDisk">
+            <a:avLst/>
+          </a:prstGeom>
+        </p:spPr>
+        <p:style>
+          <a:lnRef idx="2">
+            <a:schemeClr val="accent1">
+              <a:shade val="50000"/>
+            </a:schemeClr>
+          </a:lnRef>
+          <a:fillRef idx="1">
+            <a:schemeClr val="accent1"/>
+          </a:fillRef>
+          <a:effectRef idx="0">
+            <a:schemeClr val="accent1"/>
+          </a:effectRef>
+          <a:fontRef idx="minor">
+            <a:schemeClr val="lt1"/>
+          </a:fontRef>
+        </p:style>
+        <p:txBody>
+          <a:bodyPr rtlCol="0" anchor="ctr"/>
+          <a:lstStyle/>
+          <a:p>
+            <a:pPr algn="ctr"/>
+            <a:r>
+              <a:rPr lang="en-GB" dirty="0" smtClean="0"/>
+              <a:t>Message</a:t>
+            </a:r>
+          </a:p>
+          <a:p>
+            <a:pPr algn="ctr"/>
+            <a:r>
+              <a:rPr lang="en-GB" dirty="0" smtClean="0"/>
+              <a:t>Store</a:t>
+            </a:r>
+            <a:endParaRPr lang="en-GB" dirty="0"/>
+          </a:p>
+        </p:txBody>
+      </p:sp>
+      <p:sp>
+        <p:nvSpPr>
+          <p:cNvPr id="12" name="Hexagon 11"/>
+          <p:cNvSpPr/>
+          <p:nvPr/>
+        </p:nvSpPr>
+        <p:spPr>
+          <a:xfrm>
+            <a:off x="5981616" y="3398671"/>
+            <a:ext cx="1290917" cy="1195294"/>
+          </a:xfrm>
+          <a:prstGeom prst="hexagon">
+            <a:avLst/>
+          </a:prstGeom>
+          <a:solidFill>
+            <a:srgbClr val="FFC000"/>
+          </a:solidFill>
+          <a:ln>
+            <a:noFill/>
+          </a:ln>
+        </p:spPr>
+        <p:style>
+          <a:lnRef idx="2">
+            <a:schemeClr val="accent1">
+              <a:shade val="50000"/>
+            </a:schemeClr>
+          </a:lnRef>
+          <a:fillRef idx="1">
+            <a:schemeClr val="accent1"/>
+          </a:fillRef>
+          <a:effectRef idx="0">
+            <a:schemeClr val="accent1"/>
+          </a:effectRef>
+          <a:fontRef idx="minor">
+            <a:schemeClr val="lt1"/>
+          </a:fontRef>
+        </p:style>
+        <p:txBody>
+          <a:bodyPr rtlCol="0" anchor="ctr"/>
+          <a:lstStyle/>
+          <a:p>
+            <a:pPr algn="ctr"/>
+            <a:r>
+              <a:rPr lang="en-GB" dirty="0" smtClean="0"/>
+              <a:t>Actor</a:t>
+            </a:r>
+            <a:endParaRPr lang="en-GB" dirty="0"/>
+          </a:p>
+        </p:txBody>
+      </p:sp>
+      <p:sp>
+        <p:nvSpPr>
+          <p:cNvPr id="13" name="Hexagon 12"/>
+          <p:cNvSpPr/>
+          <p:nvPr/>
+        </p:nvSpPr>
+        <p:spPr>
+          <a:xfrm>
+            <a:off x="7634860" y="4080783"/>
+            <a:ext cx="1290917" cy="1195294"/>
+          </a:xfrm>
+          <a:prstGeom prst="hexagon">
+            <a:avLst/>
+          </a:prstGeom>
+          <a:solidFill>
+            <a:srgbClr val="00B0F0"/>
+          </a:solidFill>
+          <a:ln>
+            <a:noFill/>
+          </a:ln>
+        </p:spPr>
+        <p:style>
+          <a:lnRef idx="2">
+            <a:schemeClr val="accent1">
+              <a:shade val="50000"/>
+            </a:schemeClr>
+          </a:lnRef>
+          <a:fillRef idx="1">
+            <a:schemeClr val="accent1"/>
+          </a:fillRef>
+          <a:effectRef idx="0">
+            <a:schemeClr val="accent1"/>
+          </a:effectRef>
+          <a:fontRef idx="minor">
+            <a:schemeClr val="lt1"/>
+          </a:fontRef>
+        </p:style>
+        <p:txBody>
+          <a:bodyPr rtlCol="0" anchor="ctr"/>
+          <a:lstStyle/>
+          <a:p>
+            <a:pPr algn="ctr"/>
+            <a:r>
+              <a:rPr lang="en-GB" dirty="0" smtClean="0"/>
+              <a:t>Actor</a:t>
+            </a:r>
+            <a:endParaRPr lang="en-GB" dirty="0"/>
+          </a:p>
+        </p:txBody>
+      </p:sp>
+      <p:sp>
+        <p:nvSpPr>
+          <p:cNvPr id="14" name="Hexagon 13"/>
+          <p:cNvSpPr/>
+          <p:nvPr/>
+        </p:nvSpPr>
+        <p:spPr>
+          <a:xfrm>
+            <a:off x="9385328" y="3043685"/>
+            <a:ext cx="1290917" cy="1195294"/>
+          </a:xfrm>
+          <a:prstGeom prst="hexagon">
+            <a:avLst/>
+          </a:prstGeom>
+          <a:solidFill>
+            <a:srgbClr val="92D050"/>
+          </a:solidFill>
+          <a:ln>
+            <a:noFill/>
+          </a:ln>
+        </p:spPr>
+        <p:style>
+          <a:lnRef idx="2">
+            <a:schemeClr val="accent1">
+              <a:shade val="50000"/>
+            </a:schemeClr>
+          </a:lnRef>
+          <a:fillRef idx="1">
+            <a:schemeClr val="accent1"/>
+          </a:fillRef>
+          <a:effectRef idx="0">
+            <a:schemeClr val="accent1"/>
+          </a:effectRef>
+          <a:fontRef idx="minor">
+            <a:schemeClr val="lt1"/>
+          </a:fontRef>
+        </p:style>
+        <p:txBody>
+          <a:bodyPr rtlCol="0" anchor="ctr"/>
+          <a:lstStyle/>
+          <a:p>
+            <a:pPr algn="ctr"/>
+            <a:r>
+              <a:rPr lang="en-GB" dirty="0" smtClean="0"/>
+              <a:t>Actor</a:t>
+            </a:r>
+            <a:endParaRPr lang="en-GB" dirty="0"/>
+          </a:p>
+        </p:txBody>
+      </p:sp>
+      <p:sp>
+        <p:nvSpPr>
+          <p:cNvPr id="15" name="Up-Down Arrow 14"/>
+          <p:cNvSpPr/>
+          <p:nvPr/>
+        </p:nvSpPr>
+        <p:spPr>
+          <a:xfrm rot="1821939">
+            <a:off x="7063785" y="2416206"/>
+            <a:ext cx="605753" cy="1459837"/>
+          </a:xfrm>
+          <a:prstGeom prst="upDownArrow">
+            <a:avLst/>
+          </a:prstGeom>
+          <a:solidFill>
+            <a:schemeClr val="accent4">
+              <a:lumMod val="60000"/>
+              <a:lumOff val="40000"/>
+            </a:schemeClr>
+          </a:solidFill>
+          <a:ln w="38100">
+            <a:solidFill>
+              <a:schemeClr val="accent1">
+                <a:lumMod val="60000"/>
+                <a:lumOff val="40000"/>
+              </a:schemeClr>
+            </a:solidFill>
+          </a:ln>
+        </p:spPr>
+        <p:style>
+          <a:lnRef idx="2">
+            <a:schemeClr val="accent1">
+              <a:shade val="50000"/>
+            </a:schemeClr>
+          </a:lnRef>
+          <a:fillRef idx="1">
+            <a:schemeClr val="accent1"/>
+          </a:fillRef>
+          <a:effectRef idx="0">
+            <a:schemeClr val="accent1"/>
+          </a:effectRef>
+          <a:fontRef idx="minor">
+            <a:schemeClr val="lt1"/>
+          </a:fontRef>
+        </p:style>
+        <p:txBody>
+          <a:bodyPr rtlCol="0" anchor="ctr"/>
+          <a:lstStyle/>
+          <a:p>
+            <a:pPr algn="ctr"/>
+            <a:endParaRPr lang="en-GB"/>
+          </a:p>
+        </p:txBody>
+      </p:sp>
+      <p:sp>
+        <p:nvSpPr>
+          <p:cNvPr id="16" name="TextBox 15"/>
+          <p:cNvSpPr txBox="1"/>
+          <p:nvPr/>
+        </p:nvSpPr>
+        <p:spPr>
+          <a:xfrm>
+            <a:off x="7243810" y="5536694"/>
+            <a:ext cx="2282997" cy="646331"/>
+          </a:xfrm>
+          <a:prstGeom prst="rect">
+            <a:avLst/>
+          </a:prstGeom>
+          <a:noFill/>
+        </p:spPr>
+        <p:txBody>
+          <a:bodyPr wrap="none" rtlCol="0">
+            <a:spAutoFit/>
+          </a:bodyPr>
+          <a:lstStyle/>
+          <a:p>
+            <a:r>
+              <a:rPr lang="en-GB" sz="3600" b="1" dirty="0" smtClean="0">
+                <a:solidFill>
+                  <a:schemeClr val="accent6">
+                    <a:lumMod val="60000"/>
+                    <a:lumOff val="40000"/>
+                  </a:schemeClr>
+                </a:solidFill>
+                <a:latin typeface="Century Gothic" panose="020B0502020202020204" pitchFamily="34" charset="0"/>
+                <a:cs typeface="Consolas" panose="020B0609020204030204" pitchFamily="49" charset="0"/>
+              </a:rPr>
+              <a:t>REACTIVE</a:t>
+            </a:r>
+            <a:endParaRPr lang="en-GB" sz="3600" b="1" dirty="0">
+              <a:solidFill>
+                <a:schemeClr val="accent6">
+                  <a:lumMod val="60000"/>
+                  <a:lumOff val="40000"/>
+                </a:schemeClr>
+              </a:solidFill>
+              <a:latin typeface="Century Gothic" panose="020B0502020202020204" pitchFamily="34" charset="0"/>
+              <a:cs typeface="Consolas" panose="020B0609020204030204" pitchFamily="49" charset="0"/>
+            </a:endParaRPr>
+          </a:p>
+        </p:txBody>
+      </p:sp>
+      <p:sp>
+        <p:nvSpPr>
+          <p:cNvPr id="17" name="Up-Down Arrow 16"/>
+          <p:cNvSpPr/>
+          <p:nvPr/>
+        </p:nvSpPr>
+        <p:spPr>
+          <a:xfrm rot="18542437">
+            <a:off x="8807664" y="2284551"/>
+            <a:ext cx="605753" cy="1376227"/>
+          </a:xfrm>
+          <a:prstGeom prst="upDownArrow">
+            <a:avLst/>
+          </a:prstGeom>
+          <a:solidFill>
+            <a:schemeClr val="accent4">
+              <a:lumMod val="60000"/>
+              <a:lumOff val="40000"/>
+            </a:schemeClr>
+          </a:solidFill>
+          <a:ln w="38100">
+            <a:solidFill>
+              <a:schemeClr val="accent1">
+                <a:lumMod val="60000"/>
+                <a:lumOff val="40000"/>
+              </a:schemeClr>
+            </a:solidFill>
+          </a:ln>
+        </p:spPr>
+        <p:style>
+          <a:lnRef idx="2">
+            <a:schemeClr val="accent1">
+              <a:shade val="50000"/>
+            </a:schemeClr>
+          </a:lnRef>
+          <a:fillRef idx="1">
+            <a:schemeClr val="accent1"/>
+          </a:fillRef>
+          <a:effectRef idx="0">
+            <a:schemeClr val="accent1"/>
+          </a:effectRef>
+          <a:fontRef idx="minor">
+            <a:schemeClr val="lt1"/>
+          </a:fontRef>
+        </p:style>
+        <p:txBody>
+          <a:bodyPr rtlCol="0" anchor="ctr"/>
+          <a:lstStyle/>
+          <a:p>
+            <a:pPr algn="ctr"/>
+            <a:endParaRPr lang="en-GB"/>
+          </a:p>
+        </p:txBody>
+      </p:sp>
+      <p:sp>
+        <p:nvSpPr>
+          <p:cNvPr id="18" name="Up-Down Arrow 17"/>
+          <p:cNvSpPr/>
+          <p:nvPr/>
+        </p:nvSpPr>
+        <p:spPr>
+          <a:xfrm>
+            <a:off x="7937951" y="2736616"/>
+            <a:ext cx="605753" cy="1459837"/>
+          </a:xfrm>
+          <a:prstGeom prst="upDownArrow">
+            <a:avLst/>
+          </a:prstGeom>
+          <a:solidFill>
+            <a:schemeClr val="accent4">
+              <a:lumMod val="60000"/>
+              <a:lumOff val="40000"/>
+            </a:schemeClr>
+          </a:solidFill>
+          <a:ln w="38100">
+            <a:solidFill>
+              <a:schemeClr val="accent1">
+                <a:lumMod val="60000"/>
+                <a:lumOff val="40000"/>
+              </a:schemeClr>
+            </a:solidFill>
+          </a:ln>
+        </p:spPr>
+        <p:style>
+          <a:lnRef idx="2">
+            <a:schemeClr val="accent1">
+              <a:shade val="50000"/>
+            </a:schemeClr>
+          </a:lnRef>
+          <a:fillRef idx="1">
+            <a:schemeClr val="accent1"/>
+          </a:fillRef>
+          <a:effectRef idx="0">
+            <a:schemeClr val="accent1"/>
+          </a:effectRef>
+          <a:fontRef idx="minor">
+            <a:schemeClr val="lt1"/>
+          </a:fontRef>
+        </p:style>
+        <p:txBody>
+          <a:bodyPr rtlCol="0" anchor="ctr"/>
+          <a:lstStyle/>
+          <a:p>
+            <a:pPr algn="ctr"/>
+            <a:endParaRPr lang="en-GB"/>
+          </a:p>
+        </p:txBody>
+      </p:sp>
+    </p:spTree>
+    <p:extLst>
+      <p:ext uri="{BB962C8B-B14F-4D97-AF65-F5344CB8AC3E}">
+        <p14:creationId xmlns:p14="http://schemas.microsoft.com/office/powerpoint/2010/main" val="1094692512"/>
+      </p:ext>
+    </p:extLst>
+  </p:cSld>
+  <p:clrMapOvr>
+    <a:masterClrMapping/>
+  </p:clrMapOvr>
 </p:sld>
 </file>
 

--- a/diagrams/Diagrams.pptx
+++ b/diagrams/Diagrams.pptx
@@ -246,7 +246,7 @@
           <a:p>
             <a:fld id="{D3605370-7439-4725-80FA-F6F0C5475D17}" type="datetimeFigureOut">
               <a:rPr lang="en-GB" smtClean="0"/>
-              <a:t>12/04/2014</a:t>
+              <a:t>21/04/2014</a:t>
             </a:fld>
             <a:endParaRPr lang="en-GB"/>
           </a:p>
@@ -416,7 +416,7 @@
           <a:p>
             <a:fld id="{D3605370-7439-4725-80FA-F6F0C5475D17}" type="datetimeFigureOut">
               <a:rPr lang="en-GB" smtClean="0"/>
-              <a:t>12/04/2014</a:t>
+              <a:t>21/04/2014</a:t>
             </a:fld>
             <a:endParaRPr lang="en-GB"/>
           </a:p>
@@ -596,7 +596,7 @@
           <a:p>
             <a:fld id="{D3605370-7439-4725-80FA-F6F0C5475D17}" type="datetimeFigureOut">
               <a:rPr lang="en-GB" smtClean="0"/>
-              <a:t>12/04/2014</a:t>
+              <a:t>21/04/2014</a:t>
             </a:fld>
             <a:endParaRPr lang="en-GB"/>
           </a:p>
@@ -766,7 +766,7 @@
           <a:p>
             <a:fld id="{D3605370-7439-4725-80FA-F6F0C5475D17}" type="datetimeFigureOut">
               <a:rPr lang="en-GB" smtClean="0"/>
-              <a:t>12/04/2014</a:t>
+              <a:t>21/04/2014</a:t>
             </a:fld>
             <a:endParaRPr lang="en-GB"/>
           </a:p>
@@ -1012,7 +1012,7 @@
           <a:p>
             <a:fld id="{D3605370-7439-4725-80FA-F6F0C5475D17}" type="datetimeFigureOut">
               <a:rPr lang="en-GB" smtClean="0"/>
-              <a:t>12/04/2014</a:t>
+              <a:t>21/04/2014</a:t>
             </a:fld>
             <a:endParaRPr lang="en-GB"/>
           </a:p>
@@ -1244,7 +1244,7 @@
           <a:p>
             <a:fld id="{D3605370-7439-4725-80FA-F6F0C5475D17}" type="datetimeFigureOut">
               <a:rPr lang="en-GB" smtClean="0"/>
-              <a:t>12/04/2014</a:t>
+              <a:t>21/04/2014</a:t>
             </a:fld>
             <a:endParaRPr lang="en-GB"/>
           </a:p>
@@ -1611,7 +1611,7 @@
           <a:p>
             <a:fld id="{D3605370-7439-4725-80FA-F6F0C5475D17}" type="datetimeFigureOut">
               <a:rPr lang="en-GB" smtClean="0"/>
-              <a:t>12/04/2014</a:t>
+              <a:t>21/04/2014</a:t>
             </a:fld>
             <a:endParaRPr lang="en-GB"/>
           </a:p>
@@ -1729,7 +1729,7 @@
           <a:p>
             <a:fld id="{D3605370-7439-4725-80FA-F6F0C5475D17}" type="datetimeFigureOut">
               <a:rPr lang="en-GB" smtClean="0"/>
-              <a:t>12/04/2014</a:t>
+              <a:t>21/04/2014</a:t>
             </a:fld>
             <a:endParaRPr lang="en-GB"/>
           </a:p>
@@ -1824,7 +1824,7 @@
           <a:p>
             <a:fld id="{D3605370-7439-4725-80FA-F6F0C5475D17}" type="datetimeFigureOut">
               <a:rPr lang="en-GB" smtClean="0"/>
-              <a:t>12/04/2014</a:t>
+              <a:t>21/04/2014</a:t>
             </a:fld>
             <a:endParaRPr lang="en-GB"/>
           </a:p>
@@ -2101,7 +2101,7 @@
           <a:p>
             <a:fld id="{D3605370-7439-4725-80FA-F6F0C5475D17}" type="datetimeFigureOut">
               <a:rPr lang="en-GB" smtClean="0"/>
-              <a:t>12/04/2014</a:t>
+              <a:t>21/04/2014</a:t>
             </a:fld>
             <a:endParaRPr lang="en-GB"/>
           </a:p>
@@ -2354,7 +2354,7 @@
           <a:p>
             <a:fld id="{D3605370-7439-4725-80FA-F6F0C5475D17}" type="datetimeFigureOut">
               <a:rPr lang="en-GB" smtClean="0"/>
-              <a:t>12/04/2014</a:t>
+              <a:t>21/04/2014</a:t>
             </a:fld>
             <a:endParaRPr lang="en-GB"/>
           </a:p>
@@ -2567,7 +2567,7 @@
           <a:p>
             <a:fld id="{D3605370-7439-4725-80FA-F6F0C5475D17}" type="datetimeFigureOut">
               <a:rPr lang="en-GB" smtClean="0"/>
-              <a:t>12/04/2014</a:t>
+              <a:t>21/04/2014</a:t>
             </a:fld>
             <a:endParaRPr lang="en-GB"/>
           </a:p>
@@ -5103,7 +5103,7 @@
         </p:nvSpPr>
         <p:spPr>
           <a:xfrm>
-            <a:off x="481532" y="4414054"/>
+            <a:off x="153790" y="4341401"/>
             <a:ext cx="1290917" cy="1195294"/>
           </a:xfrm>
           <a:prstGeom prst="hexagon">
@@ -5153,7 +5153,7 @@
         </p:nvSpPr>
         <p:spPr>
           <a:xfrm>
-            <a:off x="1972666" y="1723358"/>
+            <a:off x="2463582" y="389787"/>
             <a:ext cx="1290917" cy="1195294"/>
           </a:xfrm>
           <a:prstGeom prst="hexagon">
@@ -5203,7 +5203,7 @@
         </p:nvSpPr>
         <p:spPr>
           <a:xfrm>
-            <a:off x="3762814" y="4182251"/>
+            <a:off x="5176397" y="4417335"/>
             <a:ext cx="1290917" cy="1195294"/>
           </a:xfrm>
           <a:prstGeom prst="hexagon">
@@ -5253,8 +5253,8 @@
         </p:nvSpPr>
         <p:spPr>
           <a:xfrm rot="1821939">
-            <a:off x="1558827" y="2460842"/>
-            <a:ext cx="605753" cy="2411022"/>
+            <a:off x="1613614" y="1108474"/>
+            <a:ext cx="399036" cy="3515981"/>
           </a:xfrm>
           <a:prstGeom prst="upDownArrow">
             <a:avLst/>
@@ -5307,12 +5307,25 @@
         </p:nvSpPr>
         <p:spPr>
           <a:xfrm>
-            <a:off x="2116110" y="3436408"/>
-            <a:ext cx="1275550" cy="1198710"/>
+            <a:off x="1734191" y="2049304"/>
+            <a:ext cx="2776788" cy="3293837"/>
           </a:xfrm>
           <a:prstGeom prst="flowChartMagneticDisk">
             <a:avLst/>
           </a:prstGeom>
+          <a:solidFill>
+            <a:schemeClr val="accent1">
+              <a:alpha val="30000"/>
+            </a:schemeClr>
+          </a:solidFill>
+          <a:ln>
+            <a:solidFill>
+              <a:schemeClr val="accent1">
+                <a:shade val="50000"/>
+                <a:alpha val="24000"/>
+              </a:schemeClr>
+            </a:solidFill>
+          </a:ln>
         </p:spPr>
         <p:style>
           <a:lnRef idx="2">
@@ -5336,17 +5349,38 @@
           <a:p>
             <a:pPr algn="ctr"/>
             <a:r>
-              <a:rPr lang="en-GB" dirty="0" smtClean="0"/>
+              <a:rPr lang="en-GB" sz="2000" dirty="0" smtClean="0">
+                <a:solidFill>
+                  <a:schemeClr val="tx2">
+                    <a:lumMod val="60000"/>
+                    <a:lumOff val="40000"/>
+                  </a:schemeClr>
+                </a:solidFill>
+              </a:rPr>
               <a:t>Message</a:t>
             </a:r>
           </a:p>
           <a:p>
             <a:pPr algn="ctr"/>
             <a:r>
-              <a:rPr lang="en-GB" dirty="0" smtClean="0"/>
-              <a:t>Store</a:t>
-            </a:r>
-            <a:endParaRPr lang="en-GB" dirty="0"/>
+              <a:rPr lang="en-GB" sz="2000" dirty="0" smtClean="0">
+                <a:solidFill>
+                  <a:schemeClr val="tx2">
+                    <a:lumMod val="60000"/>
+                    <a:lumOff val="40000"/>
+                  </a:schemeClr>
+                </a:solidFill>
+              </a:rPr>
+              <a:t>Broker</a:t>
+            </a:r>
+            <a:endParaRPr lang="en-GB" sz="2000" dirty="0">
+              <a:solidFill>
+                <a:schemeClr val="tx2">
+                  <a:lumMod val="60000"/>
+                  <a:lumOff val="40000"/>
+                </a:schemeClr>
+              </a:solidFill>
+            </a:endParaRPr>
           </a:p>
         </p:txBody>
       </p:sp>
@@ -5357,9 +5391,9 @@
           <p:nvPr/>
         </p:nvSpPr>
         <p:spPr>
-          <a:xfrm rot="7939058">
-            <a:off x="3304367" y="2243083"/>
-            <a:ext cx="605753" cy="2411022"/>
+          <a:xfrm rot="8790423">
+            <a:off x="4235364" y="1093152"/>
+            <a:ext cx="430247" cy="3812179"/>
           </a:xfrm>
           <a:prstGeom prst="upDownArrow">
             <a:avLst/>
@@ -5412,8 +5446,8 @@
         </p:nvSpPr>
         <p:spPr>
           <a:xfrm rot="5400000">
-            <a:off x="2464755" y="3761933"/>
-            <a:ext cx="605753" cy="2411022"/>
+            <a:off x="3118433" y="3106247"/>
+            <a:ext cx="401631" cy="3749085"/>
           </a:xfrm>
           <a:prstGeom prst="upDownArrow">
             <a:avLst/>
@@ -5483,9 +5517,8 @@
             <a:r>
               <a:rPr lang="en-GB" sz="3600" b="1" dirty="0" smtClean="0">
                 <a:solidFill>
-                  <a:schemeClr val="accent6">
-                    <a:lumMod val="60000"/>
-                    <a:lumOff val="40000"/>
+                  <a:schemeClr val="accent4">
+                    <a:lumMod val="75000"/>
                   </a:schemeClr>
                 </a:solidFill>
                 <a:latin typeface="Century Gothic" panose="020B0502020202020204" pitchFamily="34" charset="0"/>
@@ -5495,9 +5528,8 @@
             </a:r>
             <a:endParaRPr lang="en-GB" sz="3600" b="1" dirty="0">
               <a:solidFill>
-                <a:schemeClr val="accent6">
-                  <a:lumMod val="60000"/>
-                  <a:lumOff val="40000"/>
+                <a:schemeClr val="accent4">
+                  <a:lumMod val="75000"/>
                 </a:schemeClr>
               </a:solidFill>
               <a:latin typeface="Century Gothic" panose="020B0502020202020204" pitchFamily="34" charset="0"/>
@@ -5514,7 +5546,7 @@
         </p:nvSpPr>
         <p:spPr>
           <a:xfrm>
-            <a:off x="7539758" y="1612495"/>
+            <a:off x="8805345" y="691583"/>
             <a:ext cx="1275550" cy="1198710"/>
           </a:xfrm>
           <a:prstGeom prst="flowChartMagneticDisk">
@@ -5551,7 +5583,7 @@
             <a:pPr algn="ctr"/>
             <a:r>
               <a:rPr lang="en-GB" dirty="0" smtClean="0"/>
-              <a:t>Store</a:t>
+              <a:t>Broker</a:t>
             </a:r>
             <a:endParaRPr lang="en-GB" dirty="0"/>
           </a:p>
@@ -5565,7 +5597,7 @@
         </p:nvSpPr>
         <p:spPr>
           <a:xfrm>
-            <a:off x="5981616" y="3398671"/>
+            <a:off x="7086611" y="3484371"/>
             <a:ext cx="1290917" cy="1195294"/>
           </a:xfrm>
           <a:prstGeom prst="hexagon">
@@ -5615,7 +5647,7 @@
         </p:nvSpPr>
         <p:spPr>
           <a:xfrm>
-            <a:off x="7634860" y="4080783"/>
+            <a:off x="8908087" y="3785495"/>
             <a:ext cx="1290917" cy="1195294"/>
           </a:xfrm>
           <a:prstGeom prst="hexagon">
@@ -5665,7 +5697,7 @@
         </p:nvSpPr>
         <p:spPr>
           <a:xfrm>
-            <a:off x="9385328" y="3043685"/>
+            <a:off x="10844490" y="3484371"/>
             <a:ext cx="1290917" cy="1195294"/>
           </a:xfrm>
           <a:prstGeom prst="hexagon">
@@ -5715,8 +5747,8 @@
         </p:nvSpPr>
         <p:spPr>
           <a:xfrm rot="1821939">
-            <a:off x="7063785" y="2416206"/>
-            <a:ext cx="605753" cy="1459837"/>
+            <a:off x="8351599" y="1812395"/>
+            <a:ext cx="370292" cy="1799938"/>
           </a:xfrm>
           <a:prstGeom prst="upDownArrow">
             <a:avLst/>
@@ -5769,7 +5801,7 @@
         </p:nvSpPr>
         <p:spPr>
           <a:xfrm>
-            <a:off x="7243810" y="5536694"/>
+            <a:off x="8511778" y="5353701"/>
             <a:ext cx="2282997" cy="646331"/>
           </a:xfrm>
           <a:prstGeom prst="rect">
@@ -5816,9 +5848,9 @@
           <p:nvPr/>
         </p:nvSpPr>
         <p:spPr>
-          <a:xfrm rot="18542437">
-            <a:off x="8807664" y="2284551"/>
-            <a:ext cx="605753" cy="1376227"/>
+          <a:xfrm rot="19260579">
+            <a:off x="10263685" y="1686025"/>
+            <a:ext cx="400439" cy="1992364"/>
           </a:xfrm>
           <a:prstGeom prst="upDownArrow">
             <a:avLst/>
@@ -5871,8 +5903,8 @@
         </p:nvSpPr>
         <p:spPr>
           <a:xfrm>
-            <a:off x="7937951" y="2736616"/>
-            <a:ext cx="605753" cy="1459837"/>
+            <a:off x="9282205" y="1890294"/>
+            <a:ext cx="402133" cy="1895202"/>
           </a:xfrm>
           <a:prstGeom prst="upDownArrow">
             <a:avLst/>

--- a/diagrams/Diagrams.pptx
+++ b/diagrams/Diagrams.pptx
@@ -9,6 +9,7 @@
     <p:sldId id="257" r:id="rId3"/>
     <p:sldId id="258" r:id="rId4"/>
     <p:sldId id="259" r:id="rId5"/>
+    <p:sldId id="260" r:id="rId6"/>
   </p:sldIdLst>
   <p:sldSz cx="12192000" cy="6858000"/>
   <p:notesSz cx="6858000" cy="9144000"/>
@@ -246,7 +247,7 @@
           <a:p>
             <a:fld id="{D3605370-7439-4725-80FA-F6F0C5475D17}" type="datetimeFigureOut">
               <a:rPr lang="en-GB" smtClean="0"/>
-              <a:t>21/04/2014</a:t>
+              <a:t>14/06/2015</a:t>
             </a:fld>
             <a:endParaRPr lang="en-GB"/>
           </a:p>
@@ -416,7 +417,7 @@
           <a:p>
             <a:fld id="{D3605370-7439-4725-80FA-F6F0C5475D17}" type="datetimeFigureOut">
               <a:rPr lang="en-GB" smtClean="0"/>
-              <a:t>21/04/2014</a:t>
+              <a:t>14/06/2015</a:t>
             </a:fld>
             <a:endParaRPr lang="en-GB"/>
           </a:p>
@@ -596,7 +597,7 @@
           <a:p>
             <a:fld id="{D3605370-7439-4725-80FA-F6F0C5475D17}" type="datetimeFigureOut">
               <a:rPr lang="en-GB" smtClean="0"/>
-              <a:t>21/04/2014</a:t>
+              <a:t>14/06/2015</a:t>
             </a:fld>
             <a:endParaRPr lang="en-GB"/>
           </a:p>
@@ -766,7 +767,7 @@
           <a:p>
             <a:fld id="{D3605370-7439-4725-80FA-F6F0C5475D17}" type="datetimeFigureOut">
               <a:rPr lang="en-GB" smtClean="0"/>
-              <a:t>21/04/2014</a:t>
+              <a:t>14/06/2015</a:t>
             </a:fld>
             <a:endParaRPr lang="en-GB"/>
           </a:p>
@@ -1012,7 +1013,7 @@
           <a:p>
             <a:fld id="{D3605370-7439-4725-80FA-F6F0C5475D17}" type="datetimeFigureOut">
               <a:rPr lang="en-GB" smtClean="0"/>
-              <a:t>21/04/2014</a:t>
+              <a:t>14/06/2015</a:t>
             </a:fld>
             <a:endParaRPr lang="en-GB"/>
           </a:p>
@@ -1244,7 +1245,7 @@
           <a:p>
             <a:fld id="{D3605370-7439-4725-80FA-F6F0C5475D17}" type="datetimeFigureOut">
               <a:rPr lang="en-GB" smtClean="0"/>
-              <a:t>21/04/2014</a:t>
+              <a:t>14/06/2015</a:t>
             </a:fld>
             <a:endParaRPr lang="en-GB"/>
           </a:p>
@@ -1611,7 +1612,7 @@
           <a:p>
             <a:fld id="{D3605370-7439-4725-80FA-F6F0C5475D17}" type="datetimeFigureOut">
               <a:rPr lang="en-GB" smtClean="0"/>
-              <a:t>21/04/2014</a:t>
+              <a:t>14/06/2015</a:t>
             </a:fld>
             <a:endParaRPr lang="en-GB"/>
           </a:p>
@@ -1729,7 +1730,7 @@
           <a:p>
             <a:fld id="{D3605370-7439-4725-80FA-F6F0C5475D17}" type="datetimeFigureOut">
               <a:rPr lang="en-GB" smtClean="0"/>
-              <a:t>21/04/2014</a:t>
+              <a:t>14/06/2015</a:t>
             </a:fld>
             <a:endParaRPr lang="en-GB"/>
           </a:p>
@@ -1824,7 +1825,7 @@
           <a:p>
             <a:fld id="{D3605370-7439-4725-80FA-F6F0C5475D17}" type="datetimeFigureOut">
               <a:rPr lang="en-GB" smtClean="0"/>
-              <a:t>21/04/2014</a:t>
+              <a:t>14/06/2015</a:t>
             </a:fld>
             <a:endParaRPr lang="en-GB"/>
           </a:p>
@@ -2101,7 +2102,7 @@
           <a:p>
             <a:fld id="{D3605370-7439-4725-80FA-F6F0C5475D17}" type="datetimeFigureOut">
               <a:rPr lang="en-GB" smtClean="0"/>
-              <a:t>21/04/2014</a:t>
+              <a:t>14/06/2015</a:t>
             </a:fld>
             <a:endParaRPr lang="en-GB"/>
           </a:p>
@@ -2354,7 +2355,7 @@
           <a:p>
             <a:fld id="{D3605370-7439-4725-80FA-F6F0C5475D17}" type="datetimeFigureOut">
               <a:rPr lang="en-GB" smtClean="0"/>
-              <a:t>21/04/2014</a:t>
+              <a:t>14/06/2015</a:t>
             </a:fld>
             <a:endParaRPr lang="en-GB"/>
           </a:p>
@@ -2567,7 +2568,7 @@
           <a:p>
             <a:fld id="{D3605370-7439-4725-80FA-F6F0C5475D17}" type="datetimeFigureOut">
               <a:rPr lang="en-GB" smtClean="0"/>
-              <a:t>21/04/2014</a:t>
+              <a:t>14/06/2015</a:t>
             </a:fld>
             <a:endParaRPr lang="en-GB"/>
           </a:p>
@@ -5959,6 +5960,893 @@
   <p:clrMapOvr>
     <a:masterClrMapping/>
   </p:clrMapOvr>
+  <p:timing>
+    <p:tnLst>
+      <p:par>
+        <p:cTn id="1" dur="indefinite" restart="never" nodeType="tmRoot"/>
+      </p:par>
+    </p:tnLst>
+  </p:timing>
+</p:sld>
+</file>
+
+<file path=ppt/slides/slide5.xml><?xml version="1.0" encoding="utf-8"?>
+<p:sld xmlns:a="http://schemas.openxmlformats.org/drawingml/2006/main" xmlns:r="http://schemas.openxmlformats.org/officeDocument/2006/relationships" xmlns:p="http://schemas.openxmlformats.org/presentationml/2006/main">
+  <p:cSld>
+    <p:spTree>
+      <p:nvGrpSpPr>
+        <p:cNvPr id="1" name=""/>
+        <p:cNvGrpSpPr/>
+        <p:nvPr/>
+      </p:nvGrpSpPr>
+      <p:grpSpPr>
+        <a:xfrm>
+          <a:off x="0" y="0"/>
+          <a:ext cx="0" cy="0"/>
+          <a:chOff x="0" y="0"/>
+          <a:chExt cx="0" cy="0"/>
+        </a:xfrm>
+      </p:grpSpPr>
+      <p:sp>
+        <p:nvSpPr>
+          <p:cNvPr id="2" name="Rectangle 1"/>
+          <p:cNvSpPr/>
+          <p:nvPr/>
+        </p:nvSpPr>
+        <p:spPr>
+          <a:xfrm>
+            <a:off x="146304" y="2316480"/>
+            <a:ext cx="1694688" cy="1036320"/>
+          </a:xfrm>
+          <a:prstGeom prst="rect">
+            <a:avLst/>
+          </a:prstGeom>
+          <a:solidFill>
+            <a:srgbClr val="0070C0"/>
+          </a:solidFill>
+          <a:ln>
+            <a:noFill/>
+          </a:ln>
+        </p:spPr>
+        <p:style>
+          <a:lnRef idx="2">
+            <a:schemeClr val="accent1">
+              <a:shade val="50000"/>
+            </a:schemeClr>
+          </a:lnRef>
+          <a:fillRef idx="1">
+            <a:schemeClr val="accent1"/>
+          </a:fillRef>
+          <a:effectRef idx="0">
+            <a:schemeClr val="accent1"/>
+          </a:effectRef>
+          <a:fontRef idx="minor">
+            <a:schemeClr val="lt1"/>
+          </a:fontRef>
+        </p:style>
+        <p:txBody>
+          <a:bodyPr rtlCol="0" anchor="ctr"/>
+          <a:lstStyle/>
+          <a:p>
+            <a:pPr algn="ctr"/>
+            <a:r>
+              <a:rPr lang="en-GB" sz="2000" dirty="0" smtClean="0">
+                <a:latin typeface="Microsoft Sans Serif" panose="020B0604020202020204" pitchFamily="34" charset="0"/>
+                <a:cs typeface="Microsoft Sans Serif" panose="020B0604020202020204" pitchFamily="34" charset="0"/>
+              </a:rPr>
+              <a:t>Acquisition</a:t>
+            </a:r>
+            <a:endParaRPr lang="en-GB" sz="2000" dirty="0">
+              <a:latin typeface="Microsoft Sans Serif" panose="020B0604020202020204" pitchFamily="34" charset="0"/>
+              <a:cs typeface="Microsoft Sans Serif" panose="020B0604020202020204" pitchFamily="34" charset="0"/>
+            </a:endParaRPr>
+          </a:p>
+        </p:txBody>
+      </p:sp>
+      <p:sp>
+        <p:nvSpPr>
+          <p:cNvPr id="3" name="Right Arrow 2"/>
+          <p:cNvSpPr/>
+          <p:nvPr/>
+        </p:nvSpPr>
+        <p:spPr>
+          <a:xfrm>
+            <a:off x="1926336" y="2639568"/>
+            <a:ext cx="414528" cy="390144"/>
+          </a:xfrm>
+          <a:prstGeom prst="rightArrow">
+            <a:avLst/>
+          </a:prstGeom>
+          <a:solidFill>
+            <a:srgbClr val="FFC000"/>
+          </a:solidFill>
+          <a:ln>
+            <a:noFill/>
+          </a:ln>
+        </p:spPr>
+        <p:style>
+          <a:lnRef idx="2">
+            <a:schemeClr val="accent1">
+              <a:shade val="50000"/>
+            </a:schemeClr>
+          </a:lnRef>
+          <a:fillRef idx="1">
+            <a:schemeClr val="accent1"/>
+          </a:fillRef>
+          <a:effectRef idx="0">
+            <a:schemeClr val="accent1"/>
+          </a:effectRef>
+          <a:fontRef idx="minor">
+            <a:schemeClr val="lt1"/>
+          </a:fontRef>
+        </p:style>
+        <p:txBody>
+          <a:bodyPr rtlCol="0" anchor="ctr"/>
+          <a:lstStyle/>
+          <a:p>
+            <a:pPr algn="ctr"/>
+            <a:endParaRPr lang="en-GB"/>
+          </a:p>
+        </p:txBody>
+      </p:sp>
+      <p:sp>
+        <p:nvSpPr>
+          <p:cNvPr id="4" name="Rectangle 3"/>
+          <p:cNvSpPr/>
+          <p:nvPr/>
+        </p:nvSpPr>
+        <p:spPr>
+          <a:xfrm>
+            <a:off x="2426208" y="2316480"/>
+            <a:ext cx="1694688" cy="1036320"/>
+          </a:xfrm>
+          <a:prstGeom prst="rect">
+            <a:avLst/>
+          </a:prstGeom>
+          <a:solidFill>
+            <a:srgbClr val="00B0F0"/>
+          </a:solidFill>
+          <a:ln>
+            <a:noFill/>
+          </a:ln>
+        </p:spPr>
+        <p:style>
+          <a:lnRef idx="2">
+            <a:schemeClr val="accent1">
+              <a:shade val="50000"/>
+            </a:schemeClr>
+          </a:lnRef>
+          <a:fillRef idx="1">
+            <a:schemeClr val="accent1"/>
+          </a:fillRef>
+          <a:effectRef idx="0">
+            <a:schemeClr val="accent1"/>
+          </a:effectRef>
+          <a:fontRef idx="minor">
+            <a:schemeClr val="lt1"/>
+          </a:fontRef>
+        </p:style>
+        <p:txBody>
+          <a:bodyPr rtlCol="0" anchor="ctr"/>
+          <a:lstStyle/>
+          <a:p>
+            <a:pPr algn="ctr"/>
+            <a:r>
+              <a:rPr lang="en-GB" sz="2000" dirty="0" smtClean="0">
+                <a:latin typeface="Microsoft Sans Serif" panose="020B0604020202020204" pitchFamily="34" charset="0"/>
+                <a:cs typeface="Microsoft Sans Serif" panose="020B0604020202020204" pitchFamily="34" charset="0"/>
+              </a:rPr>
+              <a:t>Cleansing</a:t>
+            </a:r>
+            <a:endParaRPr lang="en-GB" sz="2000" dirty="0">
+              <a:latin typeface="Microsoft Sans Serif" panose="020B0604020202020204" pitchFamily="34" charset="0"/>
+              <a:cs typeface="Microsoft Sans Serif" panose="020B0604020202020204" pitchFamily="34" charset="0"/>
+            </a:endParaRPr>
+          </a:p>
+        </p:txBody>
+      </p:sp>
+      <p:sp>
+        <p:nvSpPr>
+          <p:cNvPr id="5" name="Right Arrow 4"/>
+          <p:cNvSpPr/>
+          <p:nvPr/>
+        </p:nvSpPr>
+        <p:spPr>
+          <a:xfrm>
+            <a:off x="4236720" y="2639568"/>
+            <a:ext cx="414528" cy="390144"/>
+          </a:xfrm>
+          <a:prstGeom prst="rightArrow">
+            <a:avLst/>
+          </a:prstGeom>
+          <a:solidFill>
+            <a:srgbClr val="FFC000"/>
+          </a:solidFill>
+          <a:ln>
+            <a:noFill/>
+          </a:ln>
+        </p:spPr>
+        <p:style>
+          <a:lnRef idx="2">
+            <a:schemeClr val="accent1">
+              <a:shade val="50000"/>
+            </a:schemeClr>
+          </a:lnRef>
+          <a:fillRef idx="1">
+            <a:schemeClr val="accent1"/>
+          </a:fillRef>
+          <a:effectRef idx="0">
+            <a:schemeClr val="accent1"/>
+          </a:effectRef>
+          <a:fontRef idx="minor">
+            <a:schemeClr val="lt1"/>
+          </a:fontRef>
+        </p:style>
+        <p:txBody>
+          <a:bodyPr rtlCol="0" anchor="ctr"/>
+          <a:lstStyle/>
+          <a:p>
+            <a:pPr algn="ctr"/>
+            <a:endParaRPr lang="en-GB"/>
+          </a:p>
+        </p:txBody>
+      </p:sp>
+      <p:sp>
+        <p:nvSpPr>
+          <p:cNvPr id="6" name="Rectangle 5"/>
+          <p:cNvSpPr/>
+          <p:nvPr/>
+        </p:nvSpPr>
+        <p:spPr>
+          <a:xfrm>
+            <a:off x="4767072" y="2316480"/>
+            <a:ext cx="1694688" cy="1036320"/>
+          </a:xfrm>
+          <a:prstGeom prst="rect">
+            <a:avLst/>
+          </a:prstGeom>
+          <a:solidFill>
+            <a:srgbClr val="92D050"/>
+          </a:solidFill>
+          <a:ln>
+            <a:noFill/>
+          </a:ln>
+        </p:spPr>
+        <p:style>
+          <a:lnRef idx="2">
+            <a:schemeClr val="accent1">
+              <a:shade val="50000"/>
+            </a:schemeClr>
+          </a:lnRef>
+          <a:fillRef idx="1">
+            <a:schemeClr val="accent1"/>
+          </a:fillRef>
+          <a:effectRef idx="0">
+            <a:schemeClr val="accent1"/>
+          </a:effectRef>
+          <a:fontRef idx="minor">
+            <a:schemeClr val="lt1"/>
+          </a:fontRef>
+        </p:style>
+        <p:txBody>
+          <a:bodyPr rtlCol="0" anchor="ctr"/>
+          <a:lstStyle/>
+          <a:p>
+            <a:pPr algn="ctr"/>
+            <a:r>
+              <a:rPr lang="en-GB" dirty="0" smtClean="0">
+                <a:latin typeface="Microsoft Sans Serif" panose="020B0604020202020204" pitchFamily="34" charset="0"/>
+                <a:cs typeface="Microsoft Sans Serif" panose="020B0604020202020204" pitchFamily="34" charset="0"/>
+              </a:rPr>
+              <a:t>Normalisation</a:t>
+            </a:r>
+            <a:endParaRPr lang="en-GB" dirty="0">
+              <a:latin typeface="Microsoft Sans Serif" panose="020B0604020202020204" pitchFamily="34" charset="0"/>
+              <a:cs typeface="Microsoft Sans Serif" panose="020B0604020202020204" pitchFamily="34" charset="0"/>
+            </a:endParaRPr>
+          </a:p>
+        </p:txBody>
+      </p:sp>
+      <p:sp>
+        <p:nvSpPr>
+          <p:cNvPr id="7" name="Right Arrow 6"/>
+          <p:cNvSpPr/>
+          <p:nvPr/>
+        </p:nvSpPr>
+        <p:spPr>
+          <a:xfrm>
+            <a:off x="6577584" y="2639568"/>
+            <a:ext cx="414528" cy="390144"/>
+          </a:xfrm>
+          <a:prstGeom prst="rightArrow">
+            <a:avLst/>
+          </a:prstGeom>
+          <a:solidFill>
+            <a:srgbClr val="FFC000"/>
+          </a:solidFill>
+          <a:ln>
+            <a:noFill/>
+          </a:ln>
+        </p:spPr>
+        <p:style>
+          <a:lnRef idx="2">
+            <a:schemeClr val="accent1">
+              <a:shade val="50000"/>
+            </a:schemeClr>
+          </a:lnRef>
+          <a:fillRef idx="1">
+            <a:schemeClr val="accent1"/>
+          </a:fillRef>
+          <a:effectRef idx="0">
+            <a:schemeClr val="accent1"/>
+          </a:effectRef>
+          <a:fontRef idx="minor">
+            <a:schemeClr val="lt1"/>
+          </a:fontRef>
+        </p:style>
+        <p:txBody>
+          <a:bodyPr rtlCol="0" anchor="ctr"/>
+          <a:lstStyle/>
+          <a:p>
+            <a:pPr algn="ctr"/>
+            <a:endParaRPr lang="en-GB"/>
+          </a:p>
+        </p:txBody>
+      </p:sp>
+      <p:sp>
+        <p:nvSpPr>
+          <p:cNvPr id="8" name="Rectangle 7"/>
+          <p:cNvSpPr/>
+          <p:nvPr/>
+        </p:nvSpPr>
+        <p:spPr>
+          <a:xfrm>
+            <a:off x="7089648" y="2316480"/>
+            <a:ext cx="1694688" cy="1036320"/>
+          </a:xfrm>
+          <a:prstGeom prst="rect">
+            <a:avLst/>
+          </a:prstGeom>
+          <a:solidFill>
+            <a:srgbClr val="00B050"/>
+          </a:solidFill>
+          <a:ln>
+            <a:noFill/>
+          </a:ln>
+        </p:spPr>
+        <p:style>
+          <a:lnRef idx="2">
+            <a:schemeClr val="accent1">
+              <a:shade val="50000"/>
+            </a:schemeClr>
+          </a:lnRef>
+          <a:fillRef idx="1">
+            <a:schemeClr val="accent1"/>
+          </a:fillRef>
+          <a:effectRef idx="0">
+            <a:schemeClr val="accent1"/>
+          </a:effectRef>
+          <a:fontRef idx="minor">
+            <a:schemeClr val="lt1"/>
+          </a:fontRef>
+        </p:style>
+        <p:txBody>
+          <a:bodyPr rtlCol="0" anchor="ctr"/>
+          <a:lstStyle/>
+          <a:p>
+            <a:pPr algn="ctr"/>
+            <a:r>
+              <a:rPr lang="en-GB" dirty="0" smtClean="0">
+                <a:latin typeface="Microsoft Sans Serif" panose="020B0604020202020204" pitchFamily="34" charset="0"/>
+                <a:cs typeface="Microsoft Sans Serif" panose="020B0604020202020204" pitchFamily="34" charset="0"/>
+              </a:rPr>
+              <a:t>Sentence</a:t>
+            </a:r>
+          </a:p>
+          <a:p>
+            <a:pPr algn="ctr"/>
+            <a:r>
+              <a:rPr lang="en-GB" dirty="0" smtClean="0">
+                <a:latin typeface="Microsoft Sans Serif" panose="020B0604020202020204" pitchFamily="34" charset="0"/>
+                <a:cs typeface="Microsoft Sans Serif" panose="020B0604020202020204" pitchFamily="34" charset="0"/>
+              </a:rPr>
+              <a:t>Segmentation</a:t>
+            </a:r>
+            <a:endParaRPr lang="en-GB" dirty="0">
+              <a:latin typeface="Microsoft Sans Serif" panose="020B0604020202020204" pitchFamily="34" charset="0"/>
+              <a:cs typeface="Microsoft Sans Serif" panose="020B0604020202020204" pitchFamily="34" charset="0"/>
+            </a:endParaRPr>
+          </a:p>
+        </p:txBody>
+      </p:sp>
+      <p:sp>
+        <p:nvSpPr>
+          <p:cNvPr id="9" name="Rectangle 8"/>
+          <p:cNvSpPr/>
+          <p:nvPr/>
+        </p:nvSpPr>
+        <p:spPr>
+          <a:xfrm>
+            <a:off x="9412224" y="2316480"/>
+            <a:ext cx="1694688" cy="1036320"/>
+          </a:xfrm>
+          <a:prstGeom prst="rect">
+            <a:avLst/>
+          </a:prstGeom>
+          <a:solidFill>
+            <a:schemeClr val="accent4">
+              <a:lumMod val="75000"/>
+            </a:schemeClr>
+          </a:solidFill>
+          <a:ln>
+            <a:noFill/>
+          </a:ln>
+        </p:spPr>
+        <p:style>
+          <a:lnRef idx="2">
+            <a:schemeClr val="accent1">
+              <a:shade val="50000"/>
+            </a:schemeClr>
+          </a:lnRef>
+          <a:fillRef idx="1">
+            <a:schemeClr val="accent1"/>
+          </a:fillRef>
+          <a:effectRef idx="0">
+            <a:schemeClr val="accent1"/>
+          </a:effectRef>
+          <a:fontRef idx="minor">
+            <a:schemeClr val="lt1"/>
+          </a:fontRef>
+        </p:style>
+        <p:txBody>
+          <a:bodyPr rtlCol="0" anchor="ctr"/>
+          <a:lstStyle/>
+          <a:p>
+            <a:pPr algn="ctr"/>
+            <a:r>
+              <a:rPr lang="en-GB" dirty="0" smtClean="0">
+                <a:latin typeface="Microsoft Sans Serif" panose="020B0604020202020204" pitchFamily="34" charset="0"/>
+                <a:cs typeface="Microsoft Sans Serif" panose="020B0604020202020204" pitchFamily="34" charset="0"/>
+              </a:rPr>
+              <a:t>Word</a:t>
+            </a:r>
+          </a:p>
+          <a:p>
+            <a:pPr algn="ctr"/>
+            <a:r>
+              <a:rPr lang="en-GB" dirty="0" smtClean="0">
+                <a:latin typeface="Microsoft Sans Serif" panose="020B0604020202020204" pitchFamily="34" charset="0"/>
+                <a:cs typeface="Microsoft Sans Serif" panose="020B0604020202020204" pitchFamily="34" charset="0"/>
+              </a:rPr>
+              <a:t>Segmentation</a:t>
+            </a:r>
+            <a:endParaRPr lang="en-GB" dirty="0">
+              <a:latin typeface="Microsoft Sans Serif" panose="020B0604020202020204" pitchFamily="34" charset="0"/>
+              <a:cs typeface="Microsoft Sans Serif" panose="020B0604020202020204" pitchFamily="34" charset="0"/>
+            </a:endParaRPr>
+          </a:p>
+        </p:txBody>
+      </p:sp>
+      <p:sp>
+        <p:nvSpPr>
+          <p:cNvPr id="10" name="Right Arrow 9"/>
+          <p:cNvSpPr/>
+          <p:nvPr/>
+        </p:nvSpPr>
+        <p:spPr>
+          <a:xfrm>
+            <a:off x="8906256" y="2639568"/>
+            <a:ext cx="414528" cy="390144"/>
+          </a:xfrm>
+          <a:prstGeom prst="rightArrow">
+            <a:avLst/>
+          </a:prstGeom>
+          <a:solidFill>
+            <a:srgbClr val="FFC000"/>
+          </a:solidFill>
+          <a:ln>
+            <a:noFill/>
+          </a:ln>
+        </p:spPr>
+        <p:style>
+          <a:lnRef idx="2">
+            <a:schemeClr val="accent1">
+              <a:shade val="50000"/>
+            </a:schemeClr>
+          </a:lnRef>
+          <a:fillRef idx="1">
+            <a:schemeClr val="accent1"/>
+          </a:fillRef>
+          <a:effectRef idx="0">
+            <a:schemeClr val="accent1"/>
+          </a:effectRef>
+          <a:fontRef idx="minor">
+            <a:schemeClr val="lt1"/>
+          </a:fontRef>
+        </p:style>
+        <p:txBody>
+          <a:bodyPr rtlCol="0" anchor="ctr"/>
+          <a:lstStyle/>
+          <a:p>
+            <a:pPr algn="ctr"/>
+            <a:endParaRPr lang="en-GB"/>
+          </a:p>
+        </p:txBody>
+      </p:sp>
+      <p:sp>
+        <p:nvSpPr>
+          <p:cNvPr id="12" name="Down Arrow 11"/>
+          <p:cNvSpPr/>
+          <p:nvPr/>
+        </p:nvSpPr>
+        <p:spPr>
+          <a:xfrm>
+            <a:off x="10067544" y="3547872"/>
+            <a:ext cx="384048" cy="414528"/>
+          </a:xfrm>
+          <a:prstGeom prst="downArrow">
+            <a:avLst/>
+          </a:prstGeom>
+        </p:spPr>
+        <p:style>
+          <a:lnRef idx="2">
+            <a:schemeClr val="accent1">
+              <a:shade val="50000"/>
+            </a:schemeClr>
+          </a:lnRef>
+          <a:fillRef idx="1">
+            <a:schemeClr val="accent1"/>
+          </a:fillRef>
+          <a:effectRef idx="0">
+            <a:schemeClr val="accent1"/>
+          </a:effectRef>
+          <a:fontRef idx="minor">
+            <a:schemeClr val="lt1"/>
+          </a:fontRef>
+        </p:style>
+        <p:txBody>
+          <a:bodyPr rtlCol="0" anchor="ctr"/>
+          <a:lstStyle/>
+          <a:p>
+            <a:pPr algn="ctr"/>
+            <a:endParaRPr lang="en-GB"/>
+          </a:p>
+        </p:txBody>
+      </p:sp>
+      <p:sp>
+        <p:nvSpPr>
+          <p:cNvPr id="13" name="Rectangle 12"/>
+          <p:cNvSpPr/>
+          <p:nvPr/>
+        </p:nvSpPr>
+        <p:spPr>
+          <a:xfrm>
+            <a:off x="9412224" y="4157472"/>
+            <a:ext cx="1694688" cy="1036320"/>
+          </a:xfrm>
+          <a:prstGeom prst="rect">
+            <a:avLst/>
+          </a:prstGeom>
+          <a:solidFill>
+            <a:schemeClr val="accent6">
+              <a:lumMod val="75000"/>
+            </a:schemeClr>
+          </a:solidFill>
+          <a:ln>
+            <a:noFill/>
+          </a:ln>
+        </p:spPr>
+        <p:style>
+          <a:lnRef idx="2">
+            <a:schemeClr val="accent1">
+              <a:shade val="50000"/>
+            </a:schemeClr>
+          </a:lnRef>
+          <a:fillRef idx="1">
+            <a:schemeClr val="accent1"/>
+          </a:fillRef>
+          <a:effectRef idx="0">
+            <a:schemeClr val="accent1"/>
+          </a:effectRef>
+          <a:fontRef idx="minor">
+            <a:schemeClr val="lt1"/>
+          </a:fontRef>
+        </p:style>
+        <p:txBody>
+          <a:bodyPr rtlCol="0" anchor="ctr"/>
+          <a:lstStyle/>
+          <a:p>
+            <a:pPr algn="ctr"/>
+            <a:r>
+              <a:rPr lang="en-GB" dirty="0" smtClean="0">
+                <a:latin typeface="Microsoft Sans Serif" panose="020B0604020202020204" pitchFamily="34" charset="0"/>
+                <a:cs typeface="Microsoft Sans Serif" panose="020B0604020202020204" pitchFamily="34" charset="0"/>
+              </a:rPr>
+              <a:t>Stop-word</a:t>
+            </a:r>
+          </a:p>
+          <a:p>
+            <a:pPr algn="ctr"/>
+            <a:r>
+              <a:rPr lang="en-GB" dirty="0" smtClean="0">
+                <a:latin typeface="Microsoft Sans Serif" panose="020B0604020202020204" pitchFamily="34" charset="0"/>
+                <a:cs typeface="Microsoft Sans Serif" panose="020B0604020202020204" pitchFamily="34" charset="0"/>
+              </a:rPr>
+              <a:t>Filtering</a:t>
+            </a:r>
+            <a:endParaRPr lang="en-GB" dirty="0">
+              <a:latin typeface="Microsoft Sans Serif" panose="020B0604020202020204" pitchFamily="34" charset="0"/>
+              <a:cs typeface="Microsoft Sans Serif" panose="020B0604020202020204" pitchFamily="34" charset="0"/>
+            </a:endParaRPr>
+          </a:p>
+        </p:txBody>
+      </p:sp>
+      <p:sp>
+        <p:nvSpPr>
+          <p:cNvPr id="15" name="Right Arrow 14"/>
+          <p:cNvSpPr/>
+          <p:nvPr/>
+        </p:nvSpPr>
+        <p:spPr>
+          <a:xfrm rot="10800000">
+            <a:off x="8906256" y="4480560"/>
+            <a:ext cx="414528" cy="390144"/>
+          </a:xfrm>
+          <a:prstGeom prst="rightArrow">
+            <a:avLst/>
+          </a:prstGeom>
+          <a:solidFill>
+            <a:srgbClr val="FFC000"/>
+          </a:solidFill>
+          <a:ln>
+            <a:noFill/>
+          </a:ln>
+        </p:spPr>
+        <p:style>
+          <a:lnRef idx="2">
+            <a:schemeClr val="accent1">
+              <a:shade val="50000"/>
+            </a:schemeClr>
+          </a:lnRef>
+          <a:fillRef idx="1">
+            <a:schemeClr val="accent1"/>
+          </a:fillRef>
+          <a:effectRef idx="0">
+            <a:schemeClr val="accent1"/>
+          </a:effectRef>
+          <a:fontRef idx="minor">
+            <a:schemeClr val="lt1"/>
+          </a:fontRef>
+        </p:style>
+        <p:txBody>
+          <a:bodyPr rtlCol="0" anchor="ctr"/>
+          <a:lstStyle/>
+          <a:p>
+            <a:pPr algn="ctr"/>
+            <a:endParaRPr lang="en-GB"/>
+          </a:p>
+        </p:txBody>
+      </p:sp>
+      <p:sp>
+        <p:nvSpPr>
+          <p:cNvPr id="17" name="Rounded Rectangle 16"/>
+          <p:cNvSpPr/>
+          <p:nvPr/>
+        </p:nvSpPr>
+        <p:spPr>
+          <a:xfrm>
+            <a:off x="7199376" y="3962400"/>
+            <a:ext cx="1615440" cy="1560576"/>
+          </a:xfrm>
+          <a:prstGeom prst="roundRect">
+            <a:avLst/>
+          </a:prstGeom>
+          <a:solidFill>
+            <a:schemeClr val="tx2">
+              <a:lumMod val="75000"/>
+            </a:schemeClr>
+          </a:solidFill>
+          <a:ln>
+            <a:noFill/>
+          </a:ln>
+        </p:spPr>
+        <p:style>
+          <a:lnRef idx="2">
+            <a:schemeClr val="accent1">
+              <a:shade val="50000"/>
+            </a:schemeClr>
+          </a:lnRef>
+          <a:fillRef idx="1">
+            <a:schemeClr val="accent1"/>
+          </a:fillRef>
+          <a:effectRef idx="0">
+            <a:schemeClr val="accent1"/>
+          </a:effectRef>
+          <a:fontRef idx="minor">
+            <a:schemeClr val="lt1"/>
+          </a:fontRef>
+        </p:style>
+        <p:txBody>
+          <a:bodyPr rtlCol="0" anchor="ctr"/>
+          <a:lstStyle/>
+          <a:p>
+            <a:pPr algn="ctr"/>
+            <a:r>
+              <a:rPr lang="en-GB" dirty="0" smtClean="0">
+                <a:latin typeface="Microsoft Sans Serif" panose="020B0604020202020204" pitchFamily="34" charset="0"/>
+                <a:cs typeface="Microsoft Sans Serif" panose="020B0604020202020204" pitchFamily="34" charset="0"/>
+              </a:rPr>
+              <a:t>Training</a:t>
+            </a:r>
+          </a:p>
+          <a:p>
+            <a:pPr algn="ctr"/>
+            <a:r>
+              <a:rPr lang="en-GB" dirty="0" smtClean="0">
+                <a:latin typeface="Microsoft Sans Serif" panose="020B0604020202020204" pitchFamily="34" charset="0"/>
+                <a:cs typeface="Microsoft Sans Serif" panose="020B0604020202020204" pitchFamily="34" charset="0"/>
+              </a:rPr>
+              <a:t>Model</a:t>
+            </a:r>
+            <a:endParaRPr lang="en-GB" dirty="0">
+              <a:latin typeface="Microsoft Sans Serif" panose="020B0604020202020204" pitchFamily="34" charset="0"/>
+              <a:cs typeface="Microsoft Sans Serif" panose="020B0604020202020204" pitchFamily="34" charset="0"/>
+            </a:endParaRPr>
+          </a:p>
+        </p:txBody>
+      </p:sp>
+      <p:sp>
+        <p:nvSpPr>
+          <p:cNvPr id="18" name="Can 17"/>
+          <p:cNvSpPr/>
+          <p:nvPr/>
+        </p:nvSpPr>
+        <p:spPr>
+          <a:xfrm>
+            <a:off x="6431280" y="5193792"/>
+            <a:ext cx="1121664" cy="1039368"/>
+          </a:xfrm>
+          <a:prstGeom prst="can">
+            <a:avLst/>
+          </a:prstGeom>
+        </p:spPr>
+        <p:style>
+          <a:lnRef idx="2">
+            <a:schemeClr val="accent1">
+              <a:shade val="50000"/>
+            </a:schemeClr>
+          </a:lnRef>
+          <a:fillRef idx="1">
+            <a:schemeClr val="accent1"/>
+          </a:fillRef>
+          <a:effectRef idx="0">
+            <a:schemeClr val="accent1"/>
+          </a:effectRef>
+          <a:fontRef idx="minor">
+            <a:schemeClr val="lt1"/>
+          </a:fontRef>
+        </p:style>
+        <p:txBody>
+          <a:bodyPr rtlCol="0" anchor="ctr"/>
+          <a:lstStyle/>
+          <a:p>
+            <a:pPr algn="ctr"/>
+            <a:endParaRPr lang="en-GB"/>
+          </a:p>
+        </p:txBody>
+      </p:sp>
+      <p:sp>
+        <p:nvSpPr>
+          <p:cNvPr id="20" name="TextBox 19"/>
+          <p:cNvSpPr txBox="1"/>
+          <p:nvPr/>
+        </p:nvSpPr>
+        <p:spPr>
+          <a:xfrm>
+            <a:off x="4500418" y="5193792"/>
+            <a:ext cx="1446230" cy="523220"/>
+          </a:xfrm>
+          <a:prstGeom prst="rect">
+            <a:avLst/>
+          </a:prstGeom>
+          <a:noFill/>
+        </p:spPr>
+        <p:txBody>
+          <a:bodyPr wrap="none" rtlCol="0">
+            <a:spAutoFit/>
+          </a:bodyPr>
+          <a:lstStyle/>
+          <a:p>
+            <a:r>
+              <a:rPr lang="en-GB" sz="2800" dirty="0" smtClean="0">
+                <a:solidFill>
+                  <a:schemeClr val="tx2">
+                    <a:lumMod val="75000"/>
+                  </a:schemeClr>
+                </a:solidFill>
+                <a:latin typeface="Microsoft Sans Serif" panose="020B0604020202020204" pitchFamily="34" charset="0"/>
+                <a:cs typeface="Microsoft Sans Serif" panose="020B0604020202020204" pitchFamily="34" charset="0"/>
+              </a:rPr>
+              <a:t>Queries</a:t>
+            </a:r>
+            <a:endParaRPr lang="en-GB" dirty="0">
+              <a:solidFill>
+                <a:schemeClr val="tx2">
+                  <a:lumMod val="75000"/>
+                </a:schemeClr>
+              </a:solidFill>
+              <a:latin typeface="Microsoft Sans Serif" panose="020B0604020202020204" pitchFamily="34" charset="0"/>
+              <a:cs typeface="Microsoft Sans Serif" panose="020B0604020202020204" pitchFamily="34" charset="0"/>
+            </a:endParaRPr>
+          </a:p>
+        </p:txBody>
+      </p:sp>
+      <p:sp>
+        <p:nvSpPr>
+          <p:cNvPr id="21" name="Right Arrow 20"/>
+          <p:cNvSpPr/>
+          <p:nvPr/>
+        </p:nvSpPr>
+        <p:spPr>
+          <a:xfrm>
+            <a:off x="4175760" y="5631688"/>
+            <a:ext cx="2085340" cy="390144"/>
+          </a:xfrm>
+          <a:prstGeom prst="rightArrow">
+            <a:avLst/>
+          </a:prstGeom>
+          <a:solidFill>
+            <a:schemeClr val="tx2">
+              <a:lumMod val="60000"/>
+              <a:lumOff val="40000"/>
+            </a:schemeClr>
+          </a:solidFill>
+          <a:ln>
+            <a:noFill/>
+          </a:ln>
+        </p:spPr>
+        <p:style>
+          <a:lnRef idx="2">
+            <a:schemeClr val="accent1">
+              <a:shade val="50000"/>
+            </a:schemeClr>
+          </a:lnRef>
+          <a:fillRef idx="1">
+            <a:schemeClr val="accent1"/>
+          </a:fillRef>
+          <a:effectRef idx="0">
+            <a:schemeClr val="accent1"/>
+          </a:effectRef>
+          <a:fontRef idx="minor">
+            <a:schemeClr val="lt1"/>
+          </a:fontRef>
+        </p:style>
+        <p:txBody>
+          <a:bodyPr rtlCol="0" anchor="ctr"/>
+          <a:lstStyle/>
+          <a:p>
+            <a:pPr algn="ctr"/>
+            <a:endParaRPr lang="en-GB"/>
+          </a:p>
+        </p:txBody>
+      </p:sp>
+    </p:spTree>
+    <p:extLst>
+      <p:ext uri="{BB962C8B-B14F-4D97-AF65-F5344CB8AC3E}">
+        <p14:creationId xmlns:p14="http://schemas.microsoft.com/office/powerpoint/2010/main" val="3928960783"/>
+      </p:ext>
+    </p:extLst>
+  </p:cSld>
+  <p:clrMapOvr>
+    <a:masterClrMapping/>
+  </p:clrMapOvr>
+  <p:timing>
+    <p:tnLst>
+      <p:par>
+        <p:cTn id="1" dur="indefinite" restart="never" nodeType="tmRoot"/>
+      </p:par>
+    </p:tnLst>
+  </p:timing>
 </p:sld>
 </file>
 
